--- a/Slides/System-User Prompt Design.pptx
+++ b/Slides/System-User Prompt Design.pptx
@@ -5,7 +5,7 @@
     <p:sldMasterId id="2147483648" r:id="rId1"/>
   </p:sldMasterIdLst>
   <p:notesMasterIdLst>
-    <p:notesMasterId r:id="rId17"/>
+    <p:notesMasterId r:id="rId26"/>
   </p:notesMasterIdLst>
   <p:sldIdLst>
     <p:sldId id="276" r:id="rId2"/>
@@ -23,6 +23,15 @@
     <p:sldId id="349" r:id="rId14"/>
     <p:sldId id="350" r:id="rId15"/>
     <p:sldId id="351" r:id="rId16"/>
+    <p:sldId id="352" r:id="rId17"/>
+    <p:sldId id="353" r:id="rId18"/>
+    <p:sldId id="354" r:id="rId19"/>
+    <p:sldId id="355" r:id="rId20"/>
+    <p:sldId id="356" r:id="rId21"/>
+    <p:sldId id="357" r:id="rId22"/>
+    <p:sldId id="358" r:id="rId23"/>
+    <p:sldId id="359" r:id="rId24"/>
+    <p:sldId id="360" r:id="rId25"/>
   </p:sldIdLst>
   <p:sldSz cx="12192000" cy="6858000"/>
   <p:notesSz cx="6858000" cy="9144000"/>
@@ -211,7 +220,7 @@
           <a:p>
             <a:fld id="{90EA4D55-0F48-48F2-8B8B-CD81BA2373CB}" type="datetimeFigureOut">
               <a:rPr lang="en-US" smtClean="0"/>
-              <a:t>10-Sep-24</a:t>
+              <a:t>18-Sep-24</a:t>
             </a:fld>
             <a:endParaRPr lang="en-US"/>
           </a:p>
@@ -982,6 +991,426 @@
 </p:notes>
 </file>
 
+<file path=ppt/notesSlides/notesSlide15.xml><?xml version="1.0" encoding="utf-8"?>
+<p:notes xmlns:a="http://schemas.openxmlformats.org/drawingml/2006/main" xmlns:r="http://schemas.openxmlformats.org/officeDocument/2006/relationships" xmlns:p="http://schemas.openxmlformats.org/presentationml/2006/main">
+  <p:cSld>
+    <p:spTree>
+      <p:nvGrpSpPr>
+        <p:cNvPr id="1" name=""/>
+        <p:cNvGrpSpPr/>
+        <p:nvPr/>
+      </p:nvGrpSpPr>
+      <p:grpSpPr>
+        <a:xfrm>
+          <a:off x="0" y="0"/>
+          <a:ext cx="0" cy="0"/>
+          <a:chOff x="0" y="0"/>
+          <a:chExt cx="0" cy="0"/>
+        </a:xfrm>
+      </p:grpSpPr>
+      <p:sp>
+        <p:nvSpPr>
+          <p:cNvPr id="2" name="Slide Image Placeholder 1"/>
+          <p:cNvSpPr>
+            <a:spLocks noGrp="1" noRot="1" noChangeAspect="1"/>
+          </p:cNvSpPr>
+          <p:nvPr>
+            <p:ph type="sldImg"/>
+          </p:nvPr>
+        </p:nvSpPr>
+        <p:spPr/>
+      </p:sp>
+      <p:sp>
+        <p:nvSpPr>
+          <p:cNvPr id="3" name="Notes Placeholder 2"/>
+          <p:cNvSpPr>
+            <a:spLocks noGrp="1"/>
+          </p:cNvSpPr>
+          <p:nvPr>
+            <p:ph type="body" idx="1"/>
+          </p:nvPr>
+        </p:nvSpPr>
+        <p:spPr/>
+        <p:txBody>
+          <a:bodyPr/>
+          <a:lstStyle/>
+          <a:p>
+            <a:endParaRPr lang="en-US" dirty="0"/>
+          </a:p>
+        </p:txBody>
+      </p:sp>
+      <p:sp>
+        <p:nvSpPr>
+          <p:cNvPr id="4" name="Slide Number Placeholder 3"/>
+          <p:cNvSpPr>
+            <a:spLocks noGrp="1"/>
+          </p:cNvSpPr>
+          <p:nvPr>
+            <p:ph type="sldNum" sz="quarter" idx="5"/>
+          </p:nvPr>
+        </p:nvSpPr>
+        <p:spPr/>
+        <p:txBody>
+          <a:bodyPr/>
+          <a:lstStyle/>
+          <a:p>
+            <a:fld id="{3E4A7109-D3E0-47BA-A045-9A99591D35D8}" type="slidenum">
+              <a:rPr lang="en-US" smtClean="0"/>
+              <a:t>16</a:t>
+            </a:fld>
+            <a:endParaRPr lang="en-US"/>
+          </a:p>
+        </p:txBody>
+      </p:sp>
+    </p:spTree>
+    <p:extLst>
+      <p:ext uri="{BB962C8B-B14F-4D97-AF65-F5344CB8AC3E}">
+        <p14:creationId xmlns:p14="http://schemas.microsoft.com/office/powerpoint/2010/main" val="2890667344"/>
+      </p:ext>
+    </p:extLst>
+  </p:cSld>
+  <p:clrMapOvr>
+    <a:masterClrMapping/>
+  </p:clrMapOvr>
+</p:notes>
+</file>
+
+<file path=ppt/notesSlides/notesSlide16.xml><?xml version="1.0" encoding="utf-8"?>
+<p:notes xmlns:a="http://schemas.openxmlformats.org/drawingml/2006/main" xmlns:r="http://schemas.openxmlformats.org/officeDocument/2006/relationships" xmlns:p="http://schemas.openxmlformats.org/presentationml/2006/main">
+  <p:cSld>
+    <p:spTree>
+      <p:nvGrpSpPr>
+        <p:cNvPr id="1" name=""/>
+        <p:cNvGrpSpPr/>
+        <p:nvPr/>
+      </p:nvGrpSpPr>
+      <p:grpSpPr>
+        <a:xfrm>
+          <a:off x="0" y="0"/>
+          <a:ext cx="0" cy="0"/>
+          <a:chOff x="0" y="0"/>
+          <a:chExt cx="0" cy="0"/>
+        </a:xfrm>
+      </p:grpSpPr>
+      <p:sp>
+        <p:nvSpPr>
+          <p:cNvPr id="2" name="Slide Image Placeholder 1"/>
+          <p:cNvSpPr>
+            <a:spLocks noGrp="1" noRot="1" noChangeAspect="1"/>
+          </p:cNvSpPr>
+          <p:nvPr>
+            <p:ph type="sldImg"/>
+          </p:nvPr>
+        </p:nvSpPr>
+        <p:spPr/>
+      </p:sp>
+      <p:sp>
+        <p:nvSpPr>
+          <p:cNvPr id="3" name="Notes Placeholder 2"/>
+          <p:cNvSpPr>
+            <a:spLocks noGrp="1"/>
+          </p:cNvSpPr>
+          <p:nvPr>
+            <p:ph type="body" idx="1"/>
+          </p:nvPr>
+        </p:nvSpPr>
+        <p:spPr/>
+        <p:txBody>
+          <a:bodyPr/>
+          <a:lstStyle/>
+          <a:p>
+            <a:endParaRPr lang="en-US" dirty="0"/>
+          </a:p>
+        </p:txBody>
+      </p:sp>
+      <p:sp>
+        <p:nvSpPr>
+          <p:cNvPr id="4" name="Slide Number Placeholder 3"/>
+          <p:cNvSpPr>
+            <a:spLocks noGrp="1"/>
+          </p:cNvSpPr>
+          <p:nvPr>
+            <p:ph type="sldNum" sz="quarter" idx="5"/>
+          </p:nvPr>
+        </p:nvSpPr>
+        <p:spPr/>
+        <p:txBody>
+          <a:bodyPr/>
+          <a:lstStyle/>
+          <a:p>
+            <a:fld id="{3E4A7109-D3E0-47BA-A045-9A99591D35D8}" type="slidenum">
+              <a:rPr lang="en-US" smtClean="0"/>
+              <a:t>17</a:t>
+            </a:fld>
+            <a:endParaRPr lang="en-US"/>
+          </a:p>
+        </p:txBody>
+      </p:sp>
+    </p:spTree>
+    <p:extLst>
+      <p:ext uri="{BB962C8B-B14F-4D97-AF65-F5344CB8AC3E}">
+        <p14:creationId xmlns:p14="http://schemas.microsoft.com/office/powerpoint/2010/main" val="762508340"/>
+      </p:ext>
+    </p:extLst>
+  </p:cSld>
+  <p:clrMapOvr>
+    <a:masterClrMapping/>
+  </p:clrMapOvr>
+</p:notes>
+</file>
+
+<file path=ppt/notesSlides/notesSlide17.xml><?xml version="1.0" encoding="utf-8"?>
+<p:notes xmlns:a="http://schemas.openxmlformats.org/drawingml/2006/main" xmlns:r="http://schemas.openxmlformats.org/officeDocument/2006/relationships" xmlns:p="http://schemas.openxmlformats.org/presentationml/2006/main">
+  <p:cSld>
+    <p:spTree>
+      <p:nvGrpSpPr>
+        <p:cNvPr id="1" name=""/>
+        <p:cNvGrpSpPr/>
+        <p:nvPr/>
+      </p:nvGrpSpPr>
+      <p:grpSpPr>
+        <a:xfrm>
+          <a:off x="0" y="0"/>
+          <a:ext cx="0" cy="0"/>
+          <a:chOff x="0" y="0"/>
+          <a:chExt cx="0" cy="0"/>
+        </a:xfrm>
+      </p:grpSpPr>
+      <p:sp>
+        <p:nvSpPr>
+          <p:cNvPr id="2" name="Slide Image Placeholder 1"/>
+          <p:cNvSpPr>
+            <a:spLocks noGrp="1" noRot="1" noChangeAspect="1"/>
+          </p:cNvSpPr>
+          <p:nvPr>
+            <p:ph type="sldImg"/>
+          </p:nvPr>
+        </p:nvSpPr>
+        <p:spPr/>
+      </p:sp>
+      <p:sp>
+        <p:nvSpPr>
+          <p:cNvPr id="3" name="Notes Placeholder 2"/>
+          <p:cNvSpPr>
+            <a:spLocks noGrp="1"/>
+          </p:cNvSpPr>
+          <p:nvPr>
+            <p:ph type="body" idx="1"/>
+          </p:nvPr>
+        </p:nvSpPr>
+        <p:spPr/>
+        <p:txBody>
+          <a:bodyPr/>
+          <a:lstStyle/>
+          <a:p>
+            <a:endParaRPr lang="en-US" dirty="0"/>
+          </a:p>
+        </p:txBody>
+      </p:sp>
+      <p:sp>
+        <p:nvSpPr>
+          <p:cNvPr id="4" name="Slide Number Placeholder 3"/>
+          <p:cNvSpPr>
+            <a:spLocks noGrp="1"/>
+          </p:cNvSpPr>
+          <p:nvPr>
+            <p:ph type="sldNum" sz="quarter" idx="5"/>
+          </p:nvPr>
+        </p:nvSpPr>
+        <p:spPr/>
+        <p:txBody>
+          <a:bodyPr/>
+          <a:lstStyle/>
+          <a:p>
+            <a:fld id="{3E4A7109-D3E0-47BA-A045-9A99591D35D8}" type="slidenum">
+              <a:rPr lang="en-US" smtClean="0"/>
+              <a:t>18</a:t>
+            </a:fld>
+            <a:endParaRPr lang="en-US"/>
+          </a:p>
+        </p:txBody>
+      </p:sp>
+    </p:spTree>
+    <p:extLst>
+      <p:ext uri="{BB962C8B-B14F-4D97-AF65-F5344CB8AC3E}">
+        <p14:creationId xmlns:p14="http://schemas.microsoft.com/office/powerpoint/2010/main" val="2681372295"/>
+      </p:ext>
+    </p:extLst>
+  </p:cSld>
+  <p:clrMapOvr>
+    <a:masterClrMapping/>
+  </p:clrMapOvr>
+</p:notes>
+</file>
+
+<file path=ppt/notesSlides/notesSlide18.xml><?xml version="1.0" encoding="utf-8"?>
+<p:notes xmlns:a="http://schemas.openxmlformats.org/drawingml/2006/main" xmlns:r="http://schemas.openxmlformats.org/officeDocument/2006/relationships" xmlns:p="http://schemas.openxmlformats.org/presentationml/2006/main">
+  <p:cSld>
+    <p:spTree>
+      <p:nvGrpSpPr>
+        <p:cNvPr id="1" name=""/>
+        <p:cNvGrpSpPr/>
+        <p:nvPr/>
+      </p:nvGrpSpPr>
+      <p:grpSpPr>
+        <a:xfrm>
+          <a:off x="0" y="0"/>
+          <a:ext cx="0" cy="0"/>
+          <a:chOff x="0" y="0"/>
+          <a:chExt cx="0" cy="0"/>
+        </a:xfrm>
+      </p:grpSpPr>
+      <p:sp>
+        <p:nvSpPr>
+          <p:cNvPr id="2" name="Slide Image Placeholder 1"/>
+          <p:cNvSpPr>
+            <a:spLocks noGrp="1" noRot="1" noChangeAspect="1"/>
+          </p:cNvSpPr>
+          <p:nvPr>
+            <p:ph type="sldImg"/>
+          </p:nvPr>
+        </p:nvSpPr>
+        <p:spPr/>
+      </p:sp>
+      <p:sp>
+        <p:nvSpPr>
+          <p:cNvPr id="3" name="Notes Placeholder 2"/>
+          <p:cNvSpPr>
+            <a:spLocks noGrp="1"/>
+          </p:cNvSpPr>
+          <p:nvPr>
+            <p:ph type="body" idx="1"/>
+          </p:nvPr>
+        </p:nvSpPr>
+        <p:spPr/>
+        <p:txBody>
+          <a:bodyPr/>
+          <a:lstStyle/>
+          <a:p>
+            <a:endParaRPr lang="en-US" dirty="0"/>
+          </a:p>
+        </p:txBody>
+      </p:sp>
+      <p:sp>
+        <p:nvSpPr>
+          <p:cNvPr id="4" name="Slide Number Placeholder 3"/>
+          <p:cNvSpPr>
+            <a:spLocks noGrp="1"/>
+          </p:cNvSpPr>
+          <p:nvPr>
+            <p:ph type="sldNum" sz="quarter" idx="5"/>
+          </p:nvPr>
+        </p:nvSpPr>
+        <p:spPr/>
+        <p:txBody>
+          <a:bodyPr/>
+          <a:lstStyle/>
+          <a:p>
+            <a:fld id="{3E4A7109-D3E0-47BA-A045-9A99591D35D8}" type="slidenum">
+              <a:rPr lang="en-US" smtClean="0"/>
+              <a:t>19</a:t>
+            </a:fld>
+            <a:endParaRPr lang="en-US"/>
+          </a:p>
+        </p:txBody>
+      </p:sp>
+    </p:spTree>
+    <p:extLst>
+      <p:ext uri="{BB962C8B-B14F-4D97-AF65-F5344CB8AC3E}">
+        <p14:creationId xmlns:p14="http://schemas.microsoft.com/office/powerpoint/2010/main" val="608298183"/>
+      </p:ext>
+    </p:extLst>
+  </p:cSld>
+  <p:clrMapOvr>
+    <a:masterClrMapping/>
+  </p:clrMapOvr>
+</p:notes>
+</file>
+
+<file path=ppt/notesSlides/notesSlide19.xml><?xml version="1.0" encoding="utf-8"?>
+<p:notes xmlns:a="http://schemas.openxmlformats.org/drawingml/2006/main" xmlns:r="http://schemas.openxmlformats.org/officeDocument/2006/relationships" xmlns:p="http://schemas.openxmlformats.org/presentationml/2006/main">
+  <p:cSld>
+    <p:spTree>
+      <p:nvGrpSpPr>
+        <p:cNvPr id="1" name=""/>
+        <p:cNvGrpSpPr/>
+        <p:nvPr/>
+      </p:nvGrpSpPr>
+      <p:grpSpPr>
+        <a:xfrm>
+          <a:off x="0" y="0"/>
+          <a:ext cx="0" cy="0"/>
+          <a:chOff x="0" y="0"/>
+          <a:chExt cx="0" cy="0"/>
+        </a:xfrm>
+      </p:grpSpPr>
+      <p:sp>
+        <p:nvSpPr>
+          <p:cNvPr id="2" name="Slide Image Placeholder 1"/>
+          <p:cNvSpPr>
+            <a:spLocks noGrp="1" noRot="1" noChangeAspect="1"/>
+          </p:cNvSpPr>
+          <p:nvPr>
+            <p:ph type="sldImg"/>
+          </p:nvPr>
+        </p:nvSpPr>
+        <p:spPr/>
+      </p:sp>
+      <p:sp>
+        <p:nvSpPr>
+          <p:cNvPr id="3" name="Notes Placeholder 2"/>
+          <p:cNvSpPr>
+            <a:spLocks noGrp="1"/>
+          </p:cNvSpPr>
+          <p:nvPr>
+            <p:ph type="body" idx="1"/>
+          </p:nvPr>
+        </p:nvSpPr>
+        <p:spPr/>
+        <p:txBody>
+          <a:bodyPr/>
+          <a:lstStyle/>
+          <a:p>
+            <a:endParaRPr lang="en-US" dirty="0"/>
+          </a:p>
+        </p:txBody>
+      </p:sp>
+      <p:sp>
+        <p:nvSpPr>
+          <p:cNvPr id="4" name="Slide Number Placeholder 3"/>
+          <p:cNvSpPr>
+            <a:spLocks noGrp="1"/>
+          </p:cNvSpPr>
+          <p:nvPr>
+            <p:ph type="sldNum" sz="quarter" idx="5"/>
+          </p:nvPr>
+        </p:nvSpPr>
+        <p:spPr/>
+        <p:txBody>
+          <a:bodyPr/>
+          <a:lstStyle/>
+          <a:p>
+            <a:fld id="{3E4A7109-D3E0-47BA-A045-9A99591D35D8}" type="slidenum">
+              <a:rPr lang="en-US" smtClean="0"/>
+              <a:t>20</a:t>
+            </a:fld>
+            <a:endParaRPr lang="en-US"/>
+          </a:p>
+        </p:txBody>
+      </p:sp>
+    </p:spTree>
+    <p:extLst>
+      <p:ext uri="{BB962C8B-B14F-4D97-AF65-F5344CB8AC3E}">
+        <p14:creationId xmlns:p14="http://schemas.microsoft.com/office/powerpoint/2010/main" val="235583645"/>
+      </p:ext>
+    </p:extLst>
+  </p:cSld>
+  <p:clrMapOvr>
+    <a:masterClrMapping/>
+  </p:clrMapOvr>
+</p:notes>
+</file>
+
 <file path=ppt/notesSlides/notesSlide2.xml><?xml version="1.0" encoding="utf-8"?>
 <p:notes xmlns:a="http://schemas.openxmlformats.org/drawingml/2006/main" xmlns:r="http://schemas.openxmlformats.org/officeDocument/2006/relationships" xmlns:p="http://schemas.openxmlformats.org/presentationml/2006/main">
   <p:cSld>
@@ -1057,6 +1486,342 @@
     <p:extLst>
       <p:ext uri="{BB962C8B-B14F-4D97-AF65-F5344CB8AC3E}">
         <p14:creationId xmlns:p14="http://schemas.microsoft.com/office/powerpoint/2010/main" val="1991853003"/>
+      </p:ext>
+    </p:extLst>
+  </p:cSld>
+  <p:clrMapOvr>
+    <a:masterClrMapping/>
+  </p:clrMapOvr>
+</p:notes>
+</file>
+
+<file path=ppt/notesSlides/notesSlide20.xml><?xml version="1.0" encoding="utf-8"?>
+<p:notes xmlns:a="http://schemas.openxmlformats.org/drawingml/2006/main" xmlns:r="http://schemas.openxmlformats.org/officeDocument/2006/relationships" xmlns:p="http://schemas.openxmlformats.org/presentationml/2006/main">
+  <p:cSld>
+    <p:spTree>
+      <p:nvGrpSpPr>
+        <p:cNvPr id="1" name=""/>
+        <p:cNvGrpSpPr/>
+        <p:nvPr/>
+      </p:nvGrpSpPr>
+      <p:grpSpPr>
+        <a:xfrm>
+          <a:off x="0" y="0"/>
+          <a:ext cx="0" cy="0"/>
+          <a:chOff x="0" y="0"/>
+          <a:chExt cx="0" cy="0"/>
+        </a:xfrm>
+      </p:grpSpPr>
+      <p:sp>
+        <p:nvSpPr>
+          <p:cNvPr id="2" name="Slide Image Placeholder 1"/>
+          <p:cNvSpPr>
+            <a:spLocks noGrp="1" noRot="1" noChangeAspect="1"/>
+          </p:cNvSpPr>
+          <p:nvPr>
+            <p:ph type="sldImg"/>
+          </p:nvPr>
+        </p:nvSpPr>
+        <p:spPr/>
+      </p:sp>
+      <p:sp>
+        <p:nvSpPr>
+          <p:cNvPr id="3" name="Notes Placeholder 2"/>
+          <p:cNvSpPr>
+            <a:spLocks noGrp="1"/>
+          </p:cNvSpPr>
+          <p:nvPr>
+            <p:ph type="body" idx="1"/>
+          </p:nvPr>
+        </p:nvSpPr>
+        <p:spPr/>
+        <p:txBody>
+          <a:bodyPr/>
+          <a:lstStyle/>
+          <a:p>
+            <a:endParaRPr lang="en-US" dirty="0"/>
+          </a:p>
+        </p:txBody>
+      </p:sp>
+      <p:sp>
+        <p:nvSpPr>
+          <p:cNvPr id="4" name="Slide Number Placeholder 3"/>
+          <p:cNvSpPr>
+            <a:spLocks noGrp="1"/>
+          </p:cNvSpPr>
+          <p:nvPr>
+            <p:ph type="sldNum" sz="quarter" idx="5"/>
+          </p:nvPr>
+        </p:nvSpPr>
+        <p:spPr/>
+        <p:txBody>
+          <a:bodyPr/>
+          <a:lstStyle/>
+          <a:p>
+            <a:fld id="{3E4A7109-D3E0-47BA-A045-9A99591D35D8}" type="slidenum">
+              <a:rPr lang="en-US" smtClean="0"/>
+              <a:t>21</a:t>
+            </a:fld>
+            <a:endParaRPr lang="en-US"/>
+          </a:p>
+        </p:txBody>
+      </p:sp>
+    </p:spTree>
+    <p:extLst>
+      <p:ext uri="{BB962C8B-B14F-4D97-AF65-F5344CB8AC3E}">
+        <p14:creationId xmlns:p14="http://schemas.microsoft.com/office/powerpoint/2010/main" val="4141089943"/>
+      </p:ext>
+    </p:extLst>
+  </p:cSld>
+  <p:clrMapOvr>
+    <a:masterClrMapping/>
+  </p:clrMapOvr>
+</p:notes>
+</file>
+
+<file path=ppt/notesSlides/notesSlide21.xml><?xml version="1.0" encoding="utf-8"?>
+<p:notes xmlns:a="http://schemas.openxmlformats.org/drawingml/2006/main" xmlns:r="http://schemas.openxmlformats.org/officeDocument/2006/relationships" xmlns:p="http://schemas.openxmlformats.org/presentationml/2006/main">
+  <p:cSld>
+    <p:spTree>
+      <p:nvGrpSpPr>
+        <p:cNvPr id="1" name=""/>
+        <p:cNvGrpSpPr/>
+        <p:nvPr/>
+      </p:nvGrpSpPr>
+      <p:grpSpPr>
+        <a:xfrm>
+          <a:off x="0" y="0"/>
+          <a:ext cx="0" cy="0"/>
+          <a:chOff x="0" y="0"/>
+          <a:chExt cx="0" cy="0"/>
+        </a:xfrm>
+      </p:grpSpPr>
+      <p:sp>
+        <p:nvSpPr>
+          <p:cNvPr id="2" name="Slide Image Placeholder 1"/>
+          <p:cNvSpPr>
+            <a:spLocks noGrp="1" noRot="1" noChangeAspect="1"/>
+          </p:cNvSpPr>
+          <p:nvPr>
+            <p:ph type="sldImg"/>
+          </p:nvPr>
+        </p:nvSpPr>
+        <p:spPr/>
+      </p:sp>
+      <p:sp>
+        <p:nvSpPr>
+          <p:cNvPr id="3" name="Notes Placeholder 2"/>
+          <p:cNvSpPr>
+            <a:spLocks noGrp="1"/>
+          </p:cNvSpPr>
+          <p:nvPr>
+            <p:ph type="body" idx="1"/>
+          </p:nvPr>
+        </p:nvSpPr>
+        <p:spPr/>
+        <p:txBody>
+          <a:bodyPr/>
+          <a:lstStyle/>
+          <a:p>
+            <a:endParaRPr lang="en-US" dirty="0"/>
+          </a:p>
+        </p:txBody>
+      </p:sp>
+      <p:sp>
+        <p:nvSpPr>
+          <p:cNvPr id="4" name="Slide Number Placeholder 3"/>
+          <p:cNvSpPr>
+            <a:spLocks noGrp="1"/>
+          </p:cNvSpPr>
+          <p:nvPr>
+            <p:ph type="sldNum" sz="quarter" idx="5"/>
+          </p:nvPr>
+        </p:nvSpPr>
+        <p:spPr/>
+        <p:txBody>
+          <a:bodyPr/>
+          <a:lstStyle/>
+          <a:p>
+            <a:fld id="{3E4A7109-D3E0-47BA-A045-9A99591D35D8}" type="slidenum">
+              <a:rPr lang="en-US" smtClean="0"/>
+              <a:t>22</a:t>
+            </a:fld>
+            <a:endParaRPr lang="en-US"/>
+          </a:p>
+        </p:txBody>
+      </p:sp>
+    </p:spTree>
+    <p:extLst>
+      <p:ext uri="{BB962C8B-B14F-4D97-AF65-F5344CB8AC3E}">
+        <p14:creationId xmlns:p14="http://schemas.microsoft.com/office/powerpoint/2010/main" val="3411546917"/>
+      </p:ext>
+    </p:extLst>
+  </p:cSld>
+  <p:clrMapOvr>
+    <a:masterClrMapping/>
+  </p:clrMapOvr>
+</p:notes>
+</file>
+
+<file path=ppt/notesSlides/notesSlide22.xml><?xml version="1.0" encoding="utf-8"?>
+<p:notes xmlns:a="http://schemas.openxmlformats.org/drawingml/2006/main" xmlns:r="http://schemas.openxmlformats.org/officeDocument/2006/relationships" xmlns:p="http://schemas.openxmlformats.org/presentationml/2006/main">
+  <p:cSld>
+    <p:spTree>
+      <p:nvGrpSpPr>
+        <p:cNvPr id="1" name=""/>
+        <p:cNvGrpSpPr/>
+        <p:nvPr/>
+      </p:nvGrpSpPr>
+      <p:grpSpPr>
+        <a:xfrm>
+          <a:off x="0" y="0"/>
+          <a:ext cx="0" cy="0"/>
+          <a:chOff x="0" y="0"/>
+          <a:chExt cx="0" cy="0"/>
+        </a:xfrm>
+      </p:grpSpPr>
+      <p:sp>
+        <p:nvSpPr>
+          <p:cNvPr id="2" name="Slide Image Placeholder 1"/>
+          <p:cNvSpPr>
+            <a:spLocks noGrp="1" noRot="1" noChangeAspect="1"/>
+          </p:cNvSpPr>
+          <p:nvPr>
+            <p:ph type="sldImg"/>
+          </p:nvPr>
+        </p:nvSpPr>
+        <p:spPr/>
+      </p:sp>
+      <p:sp>
+        <p:nvSpPr>
+          <p:cNvPr id="3" name="Notes Placeholder 2"/>
+          <p:cNvSpPr>
+            <a:spLocks noGrp="1"/>
+          </p:cNvSpPr>
+          <p:nvPr>
+            <p:ph type="body" idx="1"/>
+          </p:nvPr>
+        </p:nvSpPr>
+        <p:spPr/>
+        <p:txBody>
+          <a:bodyPr/>
+          <a:lstStyle/>
+          <a:p>
+            <a:endParaRPr lang="en-US" dirty="0"/>
+          </a:p>
+        </p:txBody>
+      </p:sp>
+      <p:sp>
+        <p:nvSpPr>
+          <p:cNvPr id="4" name="Slide Number Placeholder 3"/>
+          <p:cNvSpPr>
+            <a:spLocks noGrp="1"/>
+          </p:cNvSpPr>
+          <p:nvPr>
+            <p:ph type="sldNum" sz="quarter" idx="5"/>
+          </p:nvPr>
+        </p:nvSpPr>
+        <p:spPr/>
+        <p:txBody>
+          <a:bodyPr/>
+          <a:lstStyle/>
+          <a:p>
+            <a:fld id="{3E4A7109-D3E0-47BA-A045-9A99591D35D8}" type="slidenum">
+              <a:rPr lang="en-US" smtClean="0"/>
+              <a:t>23</a:t>
+            </a:fld>
+            <a:endParaRPr lang="en-US"/>
+          </a:p>
+        </p:txBody>
+      </p:sp>
+    </p:spTree>
+    <p:extLst>
+      <p:ext uri="{BB962C8B-B14F-4D97-AF65-F5344CB8AC3E}">
+        <p14:creationId xmlns:p14="http://schemas.microsoft.com/office/powerpoint/2010/main" val="2230819131"/>
+      </p:ext>
+    </p:extLst>
+  </p:cSld>
+  <p:clrMapOvr>
+    <a:masterClrMapping/>
+  </p:clrMapOvr>
+</p:notes>
+</file>
+
+<file path=ppt/notesSlides/notesSlide23.xml><?xml version="1.0" encoding="utf-8"?>
+<p:notes xmlns:a="http://schemas.openxmlformats.org/drawingml/2006/main" xmlns:r="http://schemas.openxmlformats.org/officeDocument/2006/relationships" xmlns:p="http://schemas.openxmlformats.org/presentationml/2006/main">
+  <p:cSld>
+    <p:spTree>
+      <p:nvGrpSpPr>
+        <p:cNvPr id="1" name=""/>
+        <p:cNvGrpSpPr/>
+        <p:nvPr/>
+      </p:nvGrpSpPr>
+      <p:grpSpPr>
+        <a:xfrm>
+          <a:off x="0" y="0"/>
+          <a:ext cx="0" cy="0"/>
+          <a:chOff x="0" y="0"/>
+          <a:chExt cx="0" cy="0"/>
+        </a:xfrm>
+      </p:grpSpPr>
+      <p:sp>
+        <p:nvSpPr>
+          <p:cNvPr id="2" name="Slide Image Placeholder 1"/>
+          <p:cNvSpPr>
+            <a:spLocks noGrp="1" noRot="1" noChangeAspect="1"/>
+          </p:cNvSpPr>
+          <p:nvPr>
+            <p:ph type="sldImg"/>
+          </p:nvPr>
+        </p:nvSpPr>
+        <p:spPr/>
+      </p:sp>
+      <p:sp>
+        <p:nvSpPr>
+          <p:cNvPr id="3" name="Notes Placeholder 2"/>
+          <p:cNvSpPr>
+            <a:spLocks noGrp="1"/>
+          </p:cNvSpPr>
+          <p:nvPr>
+            <p:ph type="body" idx="1"/>
+          </p:nvPr>
+        </p:nvSpPr>
+        <p:spPr/>
+        <p:txBody>
+          <a:bodyPr/>
+          <a:lstStyle/>
+          <a:p>
+            <a:endParaRPr lang="en-US" dirty="0"/>
+          </a:p>
+        </p:txBody>
+      </p:sp>
+      <p:sp>
+        <p:nvSpPr>
+          <p:cNvPr id="4" name="Slide Number Placeholder 3"/>
+          <p:cNvSpPr>
+            <a:spLocks noGrp="1"/>
+          </p:cNvSpPr>
+          <p:nvPr>
+            <p:ph type="sldNum" sz="quarter" idx="5"/>
+          </p:nvPr>
+        </p:nvSpPr>
+        <p:spPr/>
+        <p:txBody>
+          <a:bodyPr/>
+          <a:lstStyle/>
+          <a:p>
+            <a:fld id="{3E4A7109-D3E0-47BA-A045-9A99591D35D8}" type="slidenum">
+              <a:rPr lang="en-US" smtClean="0"/>
+              <a:t>24</a:t>
+            </a:fld>
+            <a:endParaRPr lang="en-US"/>
+          </a:p>
+        </p:txBody>
+      </p:sp>
+    </p:spTree>
+    <p:extLst>
+      <p:ext uri="{BB962C8B-B14F-4D97-AF65-F5344CB8AC3E}">
+        <p14:creationId xmlns:p14="http://schemas.microsoft.com/office/powerpoint/2010/main" val="132495593"/>
       </p:ext>
     </p:extLst>
   </p:cSld>
@@ -1801,7 +2566,7 @@
           <a:p>
             <a:fld id="{B8959F3C-9879-4806-ADC7-BA321CD3F53D}" type="datetimeFigureOut">
               <a:rPr lang="en-US" smtClean="0"/>
-              <a:t>10-Sep-24</a:t>
+              <a:t>18-Sep-24</a:t>
             </a:fld>
             <a:endParaRPr lang="en-US"/>
           </a:p>
@@ -1999,7 +2764,7 @@
           <a:p>
             <a:fld id="{B8959F3C-9879-4806-ADC7-BA321CD3F53D}" type="datetimeFigureOut">
               <a:rPr lang="en-US" smtClean="0"/>
-              <a:t>10-Sep-24</a:t>
+              <a:t>18-Sep-24</a:t>
             </a:fld>
             <a:endParaRPr lang="en-US"/>
           </a:p>
@@ -2207,7 +2972,7 @@
           <a:p>
             <a:fld id="{B8959F3C-9879-4806-ADC7-BA321CD3F53D}" type="datetimeFigureOut">
               <a:rPr lang="en-US" smtClean="0"/>
-              <a:t>10-Sep-24</a:t>
+              <a:t>18-Sep-24</a:t>
             </a:fld>
             <a:endParaRPr lang="en-US"/>
           </a:p>
@@ -2405,7 +3170,7 @@
           <a:p>
             <a:fld id="{B8959F3C-9879-4806-ADC7-BA321CD3F53D}" type="datetimeFigureOut">
               <a:rPr lang="en-US" smtClean="0"/>
-              <a:t>10-Sep-24</a:t>
+              <a:t>18-Sep-24</a:t>
             </a:fld>
             <a:endParaRPr lang="en-US"/>
           </a:p>
@@ -2680,7 +3445,7 @@
           <a:p>
             <a:fld id="{B8959F3C-9879-4806-ADC7-BA321CD3F53D}" type="datetimeFigureOut">
               <a:rPr lang="en-US" smtClean="0"/>
-              <a:t>10-Sep-24</a:t>
+              <a:t>18-Sep-24</a:t>
             </a:fld>
             <a:endParaRPr lang="en-US"/>
           </a:p>
@@ -2945,7 +3710,7 @@
           <a:p>
             <a:fld id="{B8959F3C-9879-4806-ADC7-BA321CD3F53D}" type="datetimeFigureOut">
               <a:rPr lang="en-US" smtClean="0"/>
-              <a:t>10-Sep-24</a:t>
+              <a:t>18-Sep-24</a:t>
             </a:fld>
             <a:endParaRPr lang="en-US"/>
           </a:p>
@@ -3357,7 +4122,7 @@
           <a:p>
             <a:fld id="{B8959F3C-9879-4806-ADC7-BA321CD3F53D}" type="datetimeFigureOut">
               <a:rPr lang="en-US" smtClean="0"/>
-              <a:t>10-Sep-24</a:t>
+              <a:t>18-Sep-24</a:t>
             </a:fld>
             <a:endParaRPr lang="en-US"/>
           </a:p>
@@ -3498,7 +4263,7 @@
           <a:p>
             <a:fld id="{B8959F3C-9879-4806-ADC7-BA321CD3F53D}" type="datetimeFigureOut">
               <a:rPr lang="en-US" smtClean="0"/>
-              <a:t>10-Sep-24</a:t>
+              <a:t>18-Sep-24</a:t>
             </a:fld>
             <a:endParaRPr lang="en-US"/>
           </a:p>
@@ -3611,7 +4376,7 @@
           <a:p>
             <a:fld id="{B8959F3C-9879-4806-ADC7-BA321CD3F53D}" type="datetimeFigureOut">
               <a:rPr lang="en-US" smtClean="0"/>
-              <a:t>10-Sep-24</a:t>
+              <a:t>18-Sep-24</a:t>
             </a:fld>
             <a:endParaRPr lang="en-US"/>
           </a:p>
@@ -3922,7 +4687,7 @@
           <a:p>
             <a:fld id="{B8959F3C-9879-4806-ADC7-BA321CD3F53D}" type="datetimeFigureOut">
               <a:rPr lang="en-US" smtClean="0"/>
-              <a:t>10-Sep-24</a:t>
+              <a:t>18-Sep-24</a:t>
             </a:fld>
             <a:endParaRPr lang="en-US"/>
           </a:p>
@@ -4210,7 +4975,7 @@
           <a:p>
             <a:fld id="{B8959F3C-9879-4806-ADC7-BA321CD3F53D}" type="datetimeFigureOut">
               <a:rPr lang="en-US" smtClean="0"/>
-              <a:t>10-Sep-24</a:t>
+              <a:t>18-Sep-24</a:t>
             </a:fld>
             <a:endParaRPr lang="en-US"/>
           </a:p>
@@ -4451,7 +5216,7 @@
           <a:p>
             <a:fld id="{B8959F3C-9879-4806-ADC7-BA321CD3F53D}" type="datetimeFigureOut">
               <a:rPr lang="en-US" smtClean="0"/>
-              <a:t>10-Sep-24</a:t>
+              <a:t>18-Sep-24</a:t>
             </a:fld>
             <a:endParaRPr lang="en-US"/>
           </a:p>
@@ -6216,6 +6981,913 @@
 </p:sld>
 </file>
 
+<file path=ppt/slides/slide16.xml><?xml version="1.0" encoding="utf-8"?>
+<p:sld xmlns:a="http://schemas.openxmlformats.org/drawingml/2006/main" xmlns:r="http://schemas.openxmlformats.org/officeDocument/2006/relationships" xmlns:p="http://schemas.openxmlformats.org/presentationml/2006/main">
+  <p:cSld>
+    <p:spTree>
+      <p:nvGrpSpPr>
+        <p:cNvPr id="1" name=""/>
+        <p:cNvGrpSpPr/>
+        <p:nvPr/>
+      </p:nvGrpSpPr>
+      <p:grpSpPr>
+        <a:xfrm>
+          <a:off x="0" y="0"/>
+          <a:ext cx="0" cy="0"/>
+          <a:chOff x="0" y="0"/>
+          <a:chExt cx="0" cy="0"/>
+        </a:xfrm>
+      </p:grpSpPr>
+      <p:sp>
+        <p:nvSpPr>
+          <p:cNvPr id="2" name="Title 1">
+            <a:extLst>
+              <a:ext uri="{FF2B5EF4-FFF2-40B4-BE49-F238E27FC236}">
+                <a16:creationId xmlns:a16="http://schemas.microsoft.com/office/drawing/2014/main" id="{1F8717B5-F992-3362-0E17-84D889214116}"/>
+              </a:ext>
+            </a:extLst>
+          </p:cNvPr>
+          <p:cNvSpPr>
+            <a:spLocks noGrp="1"/>
+          </p:cNvSpPr>
+          <p:nvPr>
+            <p:ph type="title"/>
+          </p:nvPr>
+        </p:nvSpPr>
+        <p:spPr/>
+        <p:txBody>
+          <a:bodyPr>
+            <a:normAutofit/>
+          </a:bodyPr>
+          <a:lstStyle/>
+          <a:p>
+            <a:r>
+              <a:rPr lang="en-US" sz="2400" b="1" dirty="0"/>
+              <a:t>System-User Prompt Results</a:t>
+            </a:r>
+          </a:p>
+        </p:txBody>
+      </p:sp>
+      <p:sp>
+        <p:nvSpPr>
+          <p:cNvPr id="3" name="Content Placeholder 2">
+            <a:extLst>
+              <a:ext uri="{FF2B5EF4-FFF2-40B4-BE49-F238E27FC236}">
+                <a16:creationId xmlns:a16="http://schemas.microsoft.com/office/drawing/2014/main" id="{6A1CF6AE-4BFF-FA1F-6998-093945033E5D}"/>
+              </a:ext>
+            </a:extLst>
+          </p:cNvPr>
+          <p:cNvSpPr>
+            <a:spLocks noGrp="1"/>
+          </p:cNvSpPr>
+          <p:nvPr>
+            <p:ph idx="1"/>
+          </p:nvPr>
+        </p:nvSpPr>
+        <p:spPr/>
+        <p:txBody>
+          <a:bodyPr>
+            <a:normAutofit/>
+          </a:bodyPr>
+          <a:lstStyle/>
+          <a:p>
+            <a:r>
+              <a:rPr lang="en-US" sz="1800" dirty="0"/>
+              <a:t>Now we tested Persian system prompt, as we can see the f1-score is 16% less than the English prompt.</a:t>
+            </a:r>
+          </a:p>
+          <a:p>
+            <a:endParaRPr lang="en-US" sz="1800" dirty="0"/>
+          </a:p>
+          <a:p>
+            <a:endParaRPr lang="en-US" sz="1800" dirty="0"/>
+          </a:p>
+          <a:p>
+            <a:endParaRPr lang="en-US" sz="1800" dirty="0"/>
+          </a:p>
+          <a:p>
+            <a:endParaRPr lang="en-US" sz="1800" dirty="0"/>
+          </a:p>
+          <a:p>
+            <a:endParaRPr lang="en-US" sz="1800" dirty="0"/>
+          </a:p>
+          <a:p>
+            <a:endParaRPr lang="en-US" sz="1800" dirty="0"/>
+          </a:p>
+          <a:p>
+            <a:endParaRPr lang="en-US" sz="1800" dirty="0"/>
+          </a:p>
+          <a:p>
+            <a:endParaRPr lang="en-US" sz="1800" dirty="0"/>
+          </a:p>
+          <a:p>
+            <a:endParaRPr lang="en-US" sz="1800" dirty="0"/>
+          </a:p>
+          <a:p>
+            <a:r>
+              <a:rPr lang="en-US" sz="1800" dirty="0"/>
+              <a:t>This clearly depicts the fact that LLMs have better reasoning performance in English rather </a:t>
+            </a:r>
+            <a:r>
+              <a:rPr lang="en-US" sz="1800"/>
+              <a:t>than Farsi.</a:t>
+            </a:r>
+            <a:endParaRPr lang="fa-IR" sz="1800" dirty="0"/>
+          </a:p>
+          <a:p>
+            <a:endParaRPr lang="fa-IR" sz="1800" dirty="0"/>
+          </a:p>
+          <a:p>
+            <a:endParaRPr lang="fa-IR" sz="1800" dirty="0"/>
+          </a:p>
+          <a:p>
+            <a:endParaRPr lang="fa-IR" sz="1800" dirty="0"/>
+          </a:p>
+          <a:p>
+            <a:endParaRPr lang="fa-IR" sz="1800" dirty="0"/>
+          </a:p>
+          <a:p>
+            <a:endParaRPr lang="fa-IR" sz="1800" dirty="0"/>
+          </a:p>
+          <a:p>
+            <a:endParaRPr lang="fa-IR" sz="1800" dirty="0"/>
+          </a:p>
+          <a:p>
+            <a:endParaRPr lang="fa-IR" sz="1800" dirty="0"/>
+          </a:p>
+          <a:p>
+            <a:endParaRPr lang="fa-IR" sz="1800" dirty="0"/>
+          </a:p>
+          <a:p>
+            <a:endParaRPr lang="fa-IR" sz="1800" dirty="0"/>
+          </a:p>
+          <a:p>
+            <a:endParaRPr lang="fa-IR" sz="1800" dirty="0"/>
+          </a:p>
+          <a:p>
+            <a:endParaRPr lang="fa-IR" sz="1800" dirty="0"/>
+          </a:p>
+          <a:p>
+            <a:endParaRPr lang="fa-IR" sz="1800" dirty="0"/>
+          </a:p>
+          <a:p>
+            <a:endParaRPr lang="fa-IR" sz="1800" dirty="0"/>
+          </a:p>
+          <a:p>
+            <a:endParaRPr lang="fa-IR" sz="1800" dirty="0"/>
+          </a:p>
+          <a:p>
+            <a:pPr marL="0" indent="0">
+              <a:buNone/>
+            </a:pPr>
+            <a:endParaRPr lang="fa-IR" sz="1800" dirty="0"/>
+          </a:p>
+          <a:p>
+            <a:pPr marL="0" indent="0">
+              <a:buNone/>
+            </a:pPr>
+            <a:endParaRPr lang="en-US" sz="1800" dirty="0"/>
+          </a:p>
+          <a:p>
+            <a:endParaRPr lang="en-US" sz="1800" dirty="0"/>
+          </a:p>
+          <a:p>
+            <a:endParaRPr lang="en-US" sz="1800" dirty="0"/>
+          </a:p>
+          <a:p>
+            <a:endParaRPr lang="en-US" sz="1800" dirty="0"/>
+          </a:p>
+          <a:p>
+            <a:endParaRPr lang="en-US" sz="1800" dirty="0"/>
+          </a:p>
+          <a:p>
+            <a:endParaRPr lang="en-US" sz="1800" dirty="0"/>
+          </a:p>
+          <a:p>
+            <a:endParaRPr lang="en-US" sz="1800" dirty="0"/>
+          </a:p>
+          <a:p>
+            <a:endParaRPr lang="en-US" sz="1800" dirty="0"/>
+          </a:p>
+        </p:txBody>
+      </p:sp>
+      <p:pic>
+        <p:nvPicPr>
+          <p:cNvPr id="5" name="Picture 4">
+            <a:extLst>
+              <a:ext uri="{FF2B5EF4-FFF2-40B4-BE49-F238E27FC236}">
+                <a16:creationId xmlns:a16="http://schemas.microsoft.com/office/drawing/2014/main" id="{B1517F0E-EE3C-E723-D2ED-7B339F55656B}"/>
+              </a:ext>
+            </a:extLst>
+          </p:cNvPr>
+          <p:cNvPicPr>
+            <a:picLocks noChangeAspect="1"/>
+          </p:cNvPicPr>
+          <p:nvPr/>
+        </p:nvPicPr>
+        <p:blipFill>
+          <a:blip r:embed="rId3"/>
+          <a:stretch>
+            <a:fillRect/>
+          </a:stretch>
+        </p:blipFill>
+        <p:spPr>
+          <a:xfrm>
+            <a:off x="3534695" y="2394291"/>
+            <a:ext cx="5122609" cy="3032842"/>
+          </a:xfrm>
+          <a:prstGeom prst="rect">
+            <a:avLst/>
+          </a:prstGeom>
+        </p:spPr>
+      </p:pic>
+    </p:spTree>
+    <p:extLst>
+      <p:ext uri="{BB962C8B-B14F-4D97-AF65-F5344CB8AC3E}">
+        <p14:creationId xmlns:p14="http://schemas.microsoft.com/office/powerpoint/2010/main" val="797926035"/>
+      </p:ext>
+    </p:extLst>
+  </p:cSld>
+  <p:clrMapOvr>
+    <a:masterClrMapping/>
+  </p:clrMapOvr>
+</p:sld>
+</file>
+
+<file path=ppt/slides/slide17.xml><?xml version="1.0" encoding="utf-8"?>
+<p:sld xmlns:a="http://schemas.openxmlformats.org/drawingml/2006/main" xmlns:r="http://schemas.openxmlformats.org/officeDocument/2006/relationships" xmlns:p="http://schemas.openxmlformats.org/presentationml/2006/main">
+  <p:cSld>
+    <p:spTree>
+      <p:nvGrpSpPr>
+        <p:cNvPr id="1" name=""/>
+        <p:cNvGrpSpPr/>
+        <p:nvPr/>
+      </p:nvGrpSpPr>
+      <p:grpSpPr>
+        <a:xfrm>
+          <a:off x="0" y="0"/>
+          <a:ext cx="0" cy="0"/>
+          <a:chOff x="0" y="0"/>
+          <a:chExt cx="0" cy="0"/>
+        </a:xfrm>
+      </p:grpSpPr>
+      <p:sp>
+        <p:nvSpPr>
+          <p:cNvPr id="2" name="Title 1">
+            <a:extLst>
+              <a:ext uri="{FF2B5EF4-FFF2-40B4-BE49-F238E27FC236}">
+                <a16:creationId xmlns:a16="http://schemas.microsoft.com/office/drawing/2014/main" id="{1F8717B5-F992-3362-0E17-84D889214116}"/>
+              </a:ext>
+            </a:extLst>
+          </p:cNvPr>
+          <p:cNvSpPr>
+            <a:spLocks noGrp="1"/>
+          </p:cNvSpPr>
+          <p:nvPr>
+            <p:ph type="title"/>
+          </p:nvPr>
+        </p:nvSpPr>
+        <p:spPr/>
+        <p:txBody>
+          <a:bodyPr>
+            <a:normAutofit/>
+          </a:bodyPr>
+          <a:lstStyle/>
+          <a:p>
+            <a:r>
+              <a:rPr lang="en-US" sz="2400" b="1" dirty="0"/>
+              <a:t>System-User Prompt Results</a:t>
+            </a:r>
+          </a:p>
+        </p:txBody>
+      </p:sp>
+      <p:sp>
+        <p:nvSpPr>
+          <p:cNvPr id="3" name="Content Placeholder 2">
+            <a:extLst>
+              <a:ext uri="{FF2B5EF4-FFF2-40B4-BE49-F238E27FC236}">
+                <a16:creationId xmlns:a16="http://schemas.microsoft.com/office/drawing/2014/main" id="{6A1CF6AE-4BFF-FA1F-6998-093945033E5D}"/>
+              </a:ext>
+            </a:extLst>
+          </p:cNvPr>
+          <p:cNvSpPr>
+            <a:spLocks noGrp="1"/>
+          </p:cNvSpPr>
+          <p:nvPr>
+            <p:ph idx="1"/>
+          </p:nvPr>
+        </p:nvSpPr>
+        <p:spPr/>
+        <p:txBody>
+          <a:bodyPr>
+            <a:normAutofit/>
+          </a:bodyPr>
+          <a:lstStyle/>
+          <a:p>
+            <a:r>
+              <a:rPr lang="en-US" sz="1800" dirty="0"/>
+              <a:t>The result of English system prompt in all test data.</a:t>
+            </a:r>
+          </a:p>
+          <a:p>
+            <a:endParaRPr lang="en-US" sz="1800" dirty="0"/>
+          </a:p>
+          <a:p>
+            <a:endParaRPr lang="en-US" sz="1800" dirty="0"/>
+          </a:p>
+          <a:p>
+            <a:endParaRPr lang="en-US" sz="1800" dirty="0"/>
+          </a:p>
+          <a:p>
+            <a:endParaRPr lang="en-US" sz="1800" dirty="0"/>
+          </a:p>
+          <a:p>
+            <a:endParaRPr lang="en-US" sz="1800" dirty="0"/>
+          </a:p>
+          <a:p>
+            <a:endParaRPr lang="en-US" sz="1800" dirty="0"/>
+          </a:p>
+          <a:p>
+            <a:endParaRPr lang="en-US" sz="1800" dirty="0"/>
+          </a:p>
+          <a:p>
+            <a:endParaRPr lang="en-US" sz="1800" dirty="0"/>
+          </a:p>
+          <a:p>
+            <a:endParaRPr lang="en-US" sz="1800" dirty="0"/>
+          </a:p>
+          <a:p>
+            <a:endParaRPr lang="fa-IR" sz="1800" dirty="0"/>
+          </a:p>
+          <a:p>
+            <a:endParaRPr lang="fa-IR" sz="1800" dirty="0"/>
+          </a:p>
+          <a:p>
+            <a:endParaRPr lang="fa-IR" sz="1800" dirty="0"/>
+          </a:p>
+          <a:p>
+            <a:endParaRPr lang="fa-IR" sz="1800" dirty="0"/>
+          </a:p>
+          <a:p>
+            <a:endParaRPr lang="fa-IR" sz="1800" dirty="0"/>
+          </a:p>
+          <a:p>
+            <a:endParaRPr lang="fa-IR" sz="1800" dirty="0"/>
+          </a:p>
+          <a:p>
+            <a:endParaRPr lang="fa-IR" sz="1800" dirty="0"/>
+          </a:p>
+          <a:p>
+            <a:endParaRPr lang="fa-IR" sz="1800" dirty="0"/>
+          </a:p>
+          <a:p>
+            <a:endParaRPr lang="fa-IR" sz="1800" dirty="0"/>
+          </a:p>
+          <a:p>
+            <a:endParaRPr lang="fa-IR" sz="1800" dirty="0"/>
+          </a:p>
+          <a:p>
+            <a:endParaRPr lang="fa-IR" sz="1800" dirty="0"/>
+          </a:p>
+          <a:p>
+            <a:endParaRPr lang="fa-IR" sz="1800" dirty="0"/>
+          </a:p>
+          <a:p>
+            <a:endParaRPr lang="fa-IR" sz="1800" dirty="0"/>
+          </a:p>
+          <a:p>
+            <a:endParaRPr lang="fa-IR" sz="1800" dirty="0"/>
+          </a:p>
+          <a:p>
+            <a:pPr marL="0" indent="0">
+              <a:buNone/>
+            </a:pPr>
+            <a:endParaRPr lang="fa-IR" sz="1800" dirty="0"/>
+          </a:p>
+          <a:p>
+            <a:pPr marL="0" indent="0">
+              <a:buNone/>
+            </a:pPr>
+            <a:endParaRPr lang="en-US" sz="1800" dirty="0"/>
+          </a:p>
+          <a:p>
+            <a:endParaRPr lang="en-US" sz="1800" dirty="0"/>
+          </a:p>
+          <a:p>
+            <a:endParaRPr lang="en-US" sz="1800" dirty="0"/>
+          </a:p>
+          <a:p>
+            <a:endParaRPr lang="en-US" sz="1800" dirty="0"/>
+          </a:p>
+          <a:p>
+            <a:endParaRPr lang="en-US" sz="1800" dirty="0"/>
+          </a:p>
+          <a:p>
+            <a:endParaRPr lang="en-US" sz="1800" dirty="0"/>
+          </a:p>
+          <a:p>
+            <a:endParaRPr lang="en-US" sz="1800" dirty="0"/>
+          </a:p>
+          <a:p>
+            <a:endParaRPr lang="en-US" sz="1800" dirty="0"/>
+          </a:p>
+        </p:txBody>
+      </p:sp>
+      <p:pic>
+        <p:nvPicPr>
+          <p:cNvPr id="6" name="Picture 5">
+            <a:extLst>
+              <a:ext uri="{FF2B5EF4-FFF2-40B4-BE49-F238E27FC236}">
+                <a16:creationId xmlns:a16="http://schemas.microsoft.com/office/drawing/2014/main" id="{6AFD5320-FC3B-73E4-E5F8-A249BE2601CA}"/>
+              </a:ext>
+            </a:extLst>
+          </p:cNvPr>
+          <p:cNvPicPr>
+            <a:picLocks noChangeAspect="1"/>
+          </p:cNvPicPr>
+          <p:nvPr/>
+        </p:nvPicPr>
+        <p:blipFill>
+          <a:blip r:embed="rId3"/>
+          <a:stretch>
+            <a:fillRect/>
+          </a:stretch>
+        </p:blipFill>
+        <p:spPr>
+          <a:xfrm>
+            <a:off x="2846942" y="2290148"/>
+            <a:ext cx="6498116" cy="3297192"/>
+          </a:xfrm>
+          <a:prstGeom prst="rect">
+            <a:avLst/>
+          </a:prstGeom>
+        </p:spPr>
+      </p:pic>
+    </p:spTree>
+    <p:extLst>
+      <p:ext uri="{BB962C8B-B14F-4D97-AF65-F5344CB8AC3E}">
+        <p14:creationId xmlns:p14="http://schemas.microsoft.com/office/powerpoint/2010/main" val="2700469299"/>
+      </p:ext>
+    </p:extLst>
+  </p:cSld>
+  <p:clrMapOvr>
+    <a:masterClrMapping/>
+  </p:clrMapOvr>
+</p:sld>
+</file>
+
+<file path=ppt/slides/slide18.xml><?xml version="1.0" encoding="utf-8"?>
+<p:sld xmlns:a="http://schemas.openxmlformats.org/drawingml/2006/main" xmlns:r="http://schemas.openxmlformats.org/officeDocument/2006/relationships" xmlns:p="http://schemas.openxmlformats.org/presentationml/2006/main">
+  <p:cSld>
+    <p:spTree>
+      <p:nvGrpSpPr>
+        <p:cNvPr id="1" name=""/>
+        <p:cNvGrpSpPr/>
+        <p:nvPr/>
+      </p:nvGrpSpPr>
+      <p:grpSpPr>
+        <a:xfrm>
+          <a:off x="0" y="0"/>
+          <a:ext cx="0" cy="0"/>
+          <a:chOff x="0" y="0"/>
+          <a:chExt cx="0" cy="0"/>
+        </a:xfrm>
+      </p:grpSpPr>
+      <p:sp>
+        <p:nvSpPr>
+          <p:cNvPr id="2" name="Title 1">
+            <a:extLst>
+              <a:ext uri="{FF2B5EF4-FFF2-40B4-BE49-F238E27FC236}">
+                <a16:creationId xmlns:a16="http://schemas.microsoft.com/office/drawing/2014/main" id="{1F8717B5-F992-3362-0E17-84D889214116}"/>
+              </a:ext>
+            </a:extLst>
+          </p:cNvPr>
+          <p:cNvSpPr>
+            <a:spLocks noGrp="1"/>
+          </p:cNvSpPr>
+          <p:nvPr>
+            <p:ph type="title"/>
+          </p:nvPr>
+        </p:nvSpPr>
+        <p:spPr/>
+        <p:txBody>
+          <a:bodyPr>
+            <a:normAutofit/>
+          </a:bodyPr>
+          <a:lstStyle/>
+          <a:p>
+            <a:r>
+              <a:rPr lang="en-US" sz="2400" b="1" dirty="0"/>
+              <a:t>System-User Prompt Results</a:t>
+            </a:r>
+          </a:p>
+        </p:txBody>
+      </p:sp>
+      <p:sp>
+        <p:nvSpPr>
+          <p:cNvPr id="3" name="Content Placeholder 2">
+            <a:extLst>
+              <a:ext uri="{FF2B5EF4-FFF2-40B4-BE49-F238E27FC236}">
+                <a16:creationId xmlns:a16="http://schemas.microsoft.com/office/drawing/2014/main" id="{6A1CF6AE-4BFF-FA1F-6998-093945033E5D}"/>
+              </a:ext>
+            </a:extLst>
+          </p:cNvPr>
+          <p:cNvSpPr>
+            <a:spLocks noGrp="1"/>
+          </p:cNvSpPr>
+          <p:nvPr>
+            <p:ph idx="1"/>
+          </p:nvPr>
+        </p:nvSpPr>
+        <p:spPr/>
+        <p:txBody>
+          <a:bodyPr>
+            <a:normAutofit/>
+          </a:bodyPr>
+          <a:lstStyle/>
+          <a:p>
+            <a:r>
+              <a:rPr lang="en-US" sz="1800" dirty="0"/>
+              <a:t>The Variance in different </a:t>
+            </a:r>
+            <a:r>
+              <a:rPr lang="en-US" sz="1800" dirty="0" err="1"/>
+              <a:t>kfold</a:t>
+            </a:r>
+            <a:r>
+              <a:rPr lang="en-US" sz="1800" dirty="0"/>
+              <a:t>:</a:t>
+            </a:r>
+          </a:p>
+          <a:p>
+            <a:endParaRPr lang="en-US" sz="1800" dirty="0"/>
+          </a:p>
+          <a:p>
+            <a:endParaRPr lang="en-US" sz="1800" dirty="0"/>
+          </a:p>
+          <a:p>
+            <a:endParaRPr lang="en-US" sz="1800" dirty="0"/>
+          </a:p>
+          <a:p>
+            <a:endParaRPr lang="en-US" sz="1800" dirty="0"/>
+          </a:p>
+          <a:p>
+            <a:endParaRPr lang="en-US" sz="1800" dirty="0"/>
+          </a:p>
+          <a:p>
+            <a:endParaRPr lang="en-US" sz="1800" dirty="0"/>
+          </a:p>
+          <a:p>
+            <a:endParaRPr lang="en-US" sz="1800" dirty="0"/>
+          </a:p>
+          <a:p>
+            <a:endParaRPr lang="en-US" sz="1800" dirty="0"/>
+          </a:p>
+          <a:p>
+            <a:endParaRPr lang="en-US" sz="1800" dirty="0"/>
+          </a:p>
+          <a:p>
+            <a:endParaRPr lang="fa-IR" sz="1800" dirty="0"/>
+          </a:p>
+          <a:p>
+            <a:endParaRPr lang="fa-IR" sz="1800" dirty="0"/>
+          </a:p>
+          <a:p>
+            <a:endParaRPr lang="fa-IR" sz="1800" dirty="0"/>
+          </a:p>
+          <a:p>
+            <a:endParaRPr lang="fa-IR" sz="1800" dirty="0"/>
+          </a:p>
+          <a:p>
+            <a:endParaRPr lang="fa-IR" sz="1800" dirty="0"/>
+          </a:p>
+          <a:p>
+            <a:endParaRPr lang="fa-IR" sz="1800" dirty="0"/>
+          </a:p>
+          <a:p>
+            <a:endParaRPr lang="fa-IR" sz="1800" dirty="0"/>
+          </a:p>
+          <a:p>
+            <a:endParaRPr lang="fa-IR" sz="1800" dirty="0"/>
+          </a:p>
+          <a:p>
+            <a:endParaRPr lang="fa-IR" sz="1800" dirty="0"/>
+          </a:p>
+          <a:p>
+            <a:endParaRPr lang="fa-IR" sz="1800" dirty="0"/>
+          </a:p>
+          <a:p>
+            <a:endParaRPr lang="fa-IR" sz="1800" dirty="0"/>
+          </a:p>
+          <a:p>
+            <a:endParaRPr lang="fa-IR" sz="1800" dirty="0"/>
+          </a:p>
+          <a:p>
+            <a:endParaRPr lang="fa-IR" sz="1800" dirty="0"/>
+          </a:p>
+          <a:p>
+            <a:endParaRPr lang="fa-IR" sz="1800" dirty="0"/>
+          </a:p>
+          <a:p>
+            <a:pPr marL="0" indent="0">
+              <a:buNone/>
+            </a:pPr>
+            <a:endParaRPr lang="fa-IR" sz="1800" dirty="0"/>
+          </a:p>
+          <a:p>
+            <a:pPr marL="0" indent="0">
+              <a:buNone/>
+            </a:pPr>
+            <a:endParaRPr lang="en-US" sz="1800" dirty="0"/>
+          </a:p>
+          <a:p>
+            <a:endParaRPr lang="en-US" sz="1800" dirty="0"/>
+          </a:p>
+          <a:p>
+            <a:endParaRPr lang="en-US" sz="1800" dirty="0"/>
+          </a:p>
+          <a:p>
+            <a:endParaRPr lang="en-US" sz="1800" dirty="0"/>
+          </a:p>
+          <a:p>
+            <a:endParaRPr lang="en-US" sz="1800" dirty="0"/>
+          </a:p>
+          <a:p>
+            <a:endParaRPr lang="en-US" sz="1800" dirty="0"/>
+          </a:p>
+          <a:p>
+            <a:endParaRPr lang="en-US" sz="1800" dirty="0"/>
+          </a:p>
+          <a:p>
+            <a:endParaRPr lang="en-US" sz="1800" dirty="0"/>
+          </a:p>
+        </p:txBody>
+      </p:sp>
+      <p:pic>
+        <p:nvPicPr>
+          <p:cNvPr id="5" name="Picture 4">
+            <a:extLst>
+              <a:ext uri="{FF2B5EF4-FFF2-40B4-BE49-F238E27FC236}">
+                <a16:creationId xmlns:a16="http://schemas.microsoft.com/office/drawing/2014/main" id="{B90E98FF-271B-27FD-1EA4-AA3A57B347DF}"/>
+              </a:ext>
+            </a:extLst>
+          </p:cNvPr>
+          <p:cNvPicPr>
+            <a:picLocks noChangeAspect="1"/>
+          </p:cNvPicPr>
+          <p:nvPr/>
+        </p:nvPicPr>
+        <p:blipFill>
+          <a:blip r:embed="rId3"/>
+          <a:stretch>
+            <a:fillRect/>
+          </a:stretch>
+        </p:blipFill>
+        <p:spPr>
+          <a:xfrm>
+            <a:off x="2636785" y="2433823"/>
+            <a:ext cx="6918429" cy="2720067"/>
+          </a:xfrm>
+          <a:prstGeom prst="rect">
+            <a:avLst/>
+          </a:prstGeom>
+        </p:spPr>
+      </p:pic>
+    </p:spTree>
+    <p:extLst>
+      <p:ext uri="{BB962C8B-B14F-4D97-AF65-F5344CB8AC3E}">
+        <p14:creationId xmlns:p14="http://schemas.microsoft.com/office/powerpoint/2010/main" val="3766384773"/>
+      </p:ext>
+    </p:extLst>
+  </p:cSld>
+  <p:clrMapOvr>
+    <a:masterClrMapping/>
+  </p:clrMapOvr>
+</p:sld>
+</file>
+
+<file path=ppt/slides/slide19.xml><?xml version="1.0" encoding="utf-8"?>
+<p:sld xmlns:a="http://schemas.openxmlformats.org/drawingml/2006/main" xmlns:r="http://schemas.openxmlformats.org/officeDocument/2006/relationships" xmlns:p="http://schemas.openxmlformats.org/presentationml/2006/main">
+  <p:cSld>
+    <p:spTree>
+      <p:nvGrpSpPr>
+        <p:cNvPr id="1" name=""/>
+        <p:cNvGrpSpPr/>
+        <p:nvPr/>
+      </p:nvGrpSpPr>
+      <p:grpSpPr>
+        <a:xfrm>
+          <a:off x="0" y="0"/>
+          <a:ext cx="0" cy="0"/>
+          <a:chOff x="0" y="0"/>
+          <a:chExt cx="0" cy="0"/>
+        </a:xfrm>
+      </p:grpSpPr>
+      <p:sp>
+        <p:nvSpPr>
+          <p:cNvPr id="2" name="Title 1">
+            <a:extLst>
+              <a:ext uri="{FF2B5EF4-FFF2-40B4-BE49-F238E27FC236}">
+                <a16:creationId xmlns:a16="http://schemas.microsoft.com/office/drawing/2014/main" id="{1F8717B5-F992-3362-0E17-84D889214116}"/>
+              </a:ext>
+            </a:extLst>
+          </p:cNvPr>
+          <p:cNvSpPr>
+            <a:spLocks noGrp="1"/>
+          </p:cNvSpPr>
+          <p:nvPr>
+            <p:ph type="title"/>
+          </p:nvPr>
+        </p:nvSpPr>
+        <p:spPr/>
+        <p:txBody>
+          <a:bodyPr>
+            <a:normAutofit/>
+          </a:bodyPr>
+          <a:lstStyle/>
+          <a:p>
+            <a:r>
+              <a:rPr lang="en-US" sz="2400" b="1" dirty="0"/>
+              <a:t>System-User Prompt Results</a:t>
+            </a:r>
+          </a:p>
+        </p:txBody>
+      </p:sp>
+      <p:sp>
+        <p:nvSpPr>
+          <p:cNvPr id="3" name="Content Placeholder 2">
+            <a:extLst>
+              <a:ext uri="{FF2B5EF4-FFF2-40B4-BE49-F238E27FC236}">
+                <a16:creationId xmlns:a16="http://schemas.microsoft.com/office/drawing/2014/main" id="{6A1CF6AE-4BFF-FA1F-6998-093945033E5D}"/>
+              </a:ext>
+            </a:extLst>
+          </p:cNvPr>
+          <p:cNvSpPr>
+            <a:spLocks noGrp="1"/>
+          </p:cNvSpPr>
+          <p:nvPr>
+            <p:ph idx="1"/>
+          </p:nvPr>
+        </p:nvSpPr>
+        <p:spPr/>
+        <p:txBody>
+          <a:bodyPr>
+            <a:normAutofit/>
+          </a:bodyPr>
+          <a:lstStyle/>
+          <a:p>
+            <a:r>
+              <a:rPr lang="en-US" sz="1800" dirty="0"/>
+              <a:t>The confusion matrix for best result:</a:t>
+            </a:r>
+          </a:p>
+          <a:p>
+            <a:endParaRPr lang="en-US" sz="1800" dirty="0"/>
+          </a:p>
+          <a:p>
+            <a:endParaRPr lang="en-US" sz="1800" dirty="0"/>
+          </a:p>
+          <a:p>
+            <a:endParaRPr lang="en-US" sz="1800" dirty="0"/>
+          </a:p>
+          <a:p>
+            <a:endParaRPr lang="en-US" sz="1800" dirty="0"/>
+          </a:p>
+          <a:p>
+            <a:endParaRPr lang="en-US" sz="1800" dirty="0"/>
+          </a:p>
+          <a:p>
+            <a:endParaRPr lang="en-US" sz="1800" dirty="0"/>
+          </a:p>
+          <a:p>
+            <a:endParaRPr lang="en-US" sz="1800" dirty="0"/>
+          </a:p>
+          <a:p>
+            <a:endParaRPr lang="en-US" sz="1800" dirty="0"/>
+          </a:p>
+          <a:p>
+            <a:endParaRPr lang="en-US" sz="1800" dirty="0"/>
+          </a:p>
+          <a:p>
+            <a:endParaRPr lang="fa-IR" sz="1800" dirty="0"/>
+          </a:p>
+          <a:p>
+            <a:endParaRPr lang="fa-IR" sz="1800" dirty="0"/>
+          </a:p>
+          <a:p>
+            <a:endParaRPr lang="fa-IR" sz="1800" dirty="0"/>
+          </a:p>
+          <a:p>
+            <a:endParaRPr lang="fa-IR" sz="1800" dirty="0"/>
+          </a:p>
+          <a:p>
+            <a:endParaRPr lang="fa-IR" sz="1800" dirty="0"/>
+          </a:p>
+          <a:p>
+            <a:endParaRPr lang="fa-IR" sz="1800" dirty="0"/>
+          </a:p>
+          <a:p>
+            <a:endParaRPr lang="fa-IR" sz="1800" dirty="0"/>
+          </a:p>
+          <a:p>
+            <a:endParaRPr lang="fa-IR" sz="1800" dirty="0"/>
+          </a:p>
+          <a:p>
+            <a:endParaRPr lang="fa-IR" sz="1800" dirty="0"/>
+          </a:p>
+          <a:p>
+            <a:endParaRPr lang="fa-IR" sz="1800" dirty="0"/>
+          </a:p>
+          <a:p>
+            <a:endParaRPr lang="fa-IR" sz="1800" dirty="0"/>
+          </a:p>
+          <a:p>
+            <a:endParaRPr lang="fa-IR" sz="1800" dirty="0"/>
+          </a:p>
+          <a:p>
+            <a:endParaRPr lang="fa-IR" sz="1800" dirty="0"/>
+          </a:p>
+          <a:p>
+            <a:endParaRPr lang="fa-IR" sz="1800" dirty="0"/>
+          </a:p>
+          <a:p>
+            <a:pPr marL="0" indent="0">
+              <a:buNone/>
+            </a:pPr>
+            <a:endParaRPr lang="fa-IR" sz="1800" dirty="0"/>
+          </a:p>
+          <a:p>
+            <a:pPr marL="0" indent="0">
+              <a:buNone/>
+            </a:pPr>
+            <a:endParaRPr lang="en-US" sz="1800" dirty="0"/>
+          </a:p>
+          <a:p>
+            <a:endParaRPr lang="en-US" sz="1800" dirty="0"/>
+          </a:p>
+          <a:p>
+            <a:endParaRPr lang="en-US" sz="1800" dirty="0"/>
+          </a:p>
+          <a:p>
+            <a:endParaRPr lang="en-US" sz="1800" dirty="0"/>
+          </a:p>
+          <a:p>
+            <a:endParaRPr lang="en-US" sz="1800" dirty="0"/>
+          </a:p>
+          <a:p>
+            <a:endParaRPr lang="en-US" sz="1800" dirty="0"/>
+          </a:p>
+          <a:p>
+            <a:endParaRPr lang="en-US" sz="1800" dirty="0"/>
+          </a:p>
+          <a:p>
+            <a:endParaRPr lang="en-US" sz="1800" dirty="0"/>
+          </a:p>
+        </p:txBody>
+      </p:sp>
+      <p:pic>
+        <p:nvPicPr>
+          <p:cNvPr id="8" name="Picture 7">
+            <a:extLst>
+              <a:ext uri="{FF2B5EF4-FFF2-40B4-BE49-F238E27FC236}">
+                <a16:creationId xmlns:a16="http://schemas.microsoft.com/office/drawing/2014/main" id="{15843FE2-DB48-7AF5-82A7-8F726CF31C89}"/>
+              </a:ext>
+            </a:extLst>
+          </p:cNvPr>
+          <p:cNvPicPr>
+            <a:picLocks noChangeAspect="1"/>
+          </p:cNvPicPr>
+          <p:nvPr/>
+        </p:nvPicPr>
+        <p:blipFill>
+          <a:blip r:embed="rId3"/>
+          <a:stretch>
+            <a:fillRect/>
+          </a:stretch>
+        </p:blipFill>
+        <p:spPr>
+          <a:xfrm>
+            <a:off x="3919144" y="2187928"/>
+            <a:ext cx="4353711" cy="3626731"/>
+          </a:xfrm>
+          <a:prstGeom prst="rect">
+            <a:avLst/>
+          </a:prstGeom>
+        </p:spPr>
+      </p:pic>
+    </p:spTree>
+    <p:extLst>
+      <p:ext uri="{BB962C8B-B14F-4D97-AF65-F5344CB8AC3E}">
+        <p14:creationId xmlns:p14="http://schemas.microsoft.com/office/powerpoint/2010/main" val="3466866173"/>
+      </p:ext>
+    </p:extLst>
+  </p:cSld>
+  <p:clrMapOvr>
+    <a:masterClrMapping/>
+  </p:clrMapOvr>
+</p:sld>
+</file>
+
 <file path=ppt/slides/slide2.xml><?xml version="1.0" encoding="utf-8"?>
 <p:sld xmlns:a="http://schemas.openxmlformats.org/drawingml/2006/main" xmlns:r="http://schemas.openxmlformats.org/officeDocument/2006/relationships" xmlns:p="http://schemas.openxmlformats.org/presentationml/2006/main">
   <p:cSld>
@@ -6315,6 +7987,1208 @@
     <p:extLst>
       <p:ext uri="{BB962C8B-B14F-4D97-AF65-F5344CB8AC3E}">
         <p14:creationId xmlns:p14="http://schemas.microsoft.com/office/powerpoint/2010/main" val="1815777174"/>
+      </p:ext>
+    </p:extLst>
+  </p:cSld>
+  <p:clrMapOvr>
+    <a:masterClrMapping/>
+  </p:clrMapOvr>
+</p:sld>
+</file>
+
+<file path=ppt/slides/slide20.xml><?xml version="1.0" encoding="utf-8"?>
+<p:sld xmlns:a="http://schemas.openxmlformats.org/drawingml/2006/main" xmlns:r="http://schemas.openxmlformats.org/officeDocument/2006/relationships" xmlns:p="http://schemas.openxmlformats.org/presentationml/2006/main">
+  <p:cSld>
+    <p:spTree>
+      <p:nvGrpSpPr>
+        <p:cNvPr id="1" name=""/>
+        <p:cNvGrpSpPr/>
+        <p:nvPr/>
+      </p:nvGrpSpPr>
+      <p:grpSpPr>
+        <a:xfrm>
+          <a:off x="0" y="0"/>
+          <a:ext cx="0" cy="0"/>
+          <a:chOff x="0" y="0"/>
+          <a:chExt cx="0" cy="0"/>
+        </a:xfrm>
+      </p:grpSpPr>
+      <p:sp>
+        <p:nvSpPr>
+          <p:cNvPr id="2" name="Title 1">
+            <a:extLst>
+              <a:ext uri="{FF2B5EF4-FFF2-40B4-BE49-F238E27FC236}">
+                <a16:creationId xmlns:a16="http://schemas.microsoft.com/office/drawing/2014/main" id="{1F8717B5-F992-3362-0E17-84D889214116}"/>
+              </a:ext>
+            </a:extLst>
+          </p:cNvPr>
+          <p:cNvSpPr>
+            <a:spLocks noGrp="1"/>
+          </p:cNvSpPr>
+          <p:nvPr>
+            <p:ph type="title"/>
+          </p:nvPr>
+        </p:nvSpPr>
+        <p:spPr/>
+        <p:txBody>
+          <a:bodyPr>
+            <a:normAutofit/>
+          </a:bodyPr>
+          <a:lstStyle/>
+          <a:p>
+            <a:r>
+              <a:rPr lang="en-US" sz="2400" b="1" dirty="0"/>
+              <a:t>System-User Prompt Results</a:t>
+            </a:r>
+          </a:p>
+        </p:txBody>
+      </p:sp>
+      <p:sp>
+        <p:nvSpPr>
+          <p:cNvPr id="3" name="Content Placeholder 2">
+            <a:extLst>
+              <a:ext uri="{FF2B5EF4-FFF2-40B4-BE49-F238E27FC236}">
+                <a16:creationId xmlns:a16="http://schemas.microsoft.com/office/drawing/2014/main" id="{6A1CF6AE-4BFF-FA1F-6998-093945033E5D}"/>
+              </a:ext>
+            </a:extLst>
+          </p:cNvPr>
+          <p:cNvSpPr>
+            <a:spLocks noGrp="1"/>
+          </p:cNvSpPr>
+          <p:nvPr>
+            <p:ph idx="1"/>
+          </p:nvPr>
+        </p:nvSpPr>
+        <p:spPr/>
+        <p:txBody>
+          <a:bodyPr>
+            <a:normAutofit/>
+          </a:bodyPr>
+          <a:lstStyle/>
+          <a:p>
+            <a:r>
+              <a:rPr lang="en-US" sz="1800" dirty="0"/>
+              <a:t>The f1-score across different categorize:</a:t>
+            </a:r>
+          </a:p>
+          <a:p>
+            <a:endParaRPr lang="en-US" sz="1800" dirty="0"/>
+          </a:p>
+          <a:p>
+            <a:endParaRPr lang="en-US" sz="1800" dirty="0"/>
+          </a:p>
+          <a:p>
+            <a:endParaRPr lang="en-US" sz="1800" dirty="0"/>
+          </a:p>
+          <a:p>
+            <a:endParaRPr lang="en-US" sz="1800" dirty="0"/>
+          </a:p>
+          <a:p>
+            <a:endParaRPr lang="en-US" sz="1800" dirty="0"/>
+          </a:p>
+          <a:p>
+            <a:endParaRPr lang="en-US" sz="1800" dirty="0"/>
+          </a:p>
+          <a:p>
+            <a:endParaRPr lang="en-US" sz="1800" dirty="0"/>
+          </a:p>
+          <a:p>
+            <a:endParaRPr lang="en-US" sz="1800" dirty="0"/>
+          </a:p>
+          <a:p>
+            <a:endParaRPr lang="en-US" sz="1800" dirty="0"/>
+          </a:p>
+          <a:p>
+            <a:endParaRPr lang="fa-IR" sz="1800" dirty="0"/>
+          </a:p>
+          <a:p>
+            <a:endParaRPr lang="fa-IR" sz="1800" dirty="0"/>
+          </a:p>
+          <a:p>
+            <a:endParaRPr lang="fa-IR" sz="1800" dirty="0"/>
+          </a:p>
+          <a:p>
+            <a:endParaRPr lang="fa-IR" sz="1800" dirty="0"/>
+          </a:p>
+          <a:p>
+            <a:endParaRPr lang="fa-IR" sz="1800" dirty="0"/>
+          </a:p>
+          <a:p>
+            <a:endParaRPr lang="fa-IR" sz="1800" dirty="0"/>
+          </a:p>
+          <a:p>
+            <a:endParaRPr lang="fa-IR" sz="1800" dirty="0"/>
+          </a:p>
+          <a:p>
+            <a:endParaRPr lang="fa-IR" sz="1800" dirty="0"/>
+          </a:p>
+          <a:p>
+            <a:endParaRPr lang="fa-IR" sz="1800" dirty="0"/>
+          </a:p>
+          <a:p>
+            <a:endParaRPr lang="fa-IR" sz="1800" dirty="0"/>
+          </a:p>
+          <a:p>
+            <a:endParaRPr lang="fa-IR" sz="1800" dirty="0"/>
+          </a:p>
+          <a:p>
+            <a:endParaRPr lang="fa-IR" sz="1800" dirty="0"/>
+          </a:p>
+          <a:p>
+            <a:endParaRPr lang="fa-IR" sz="1800" dirty="0"/>
+          </a:p>
+          <a:p>
+            <a:endParaRPr lang="fa-IR" sz="1800" dirty="0"/>
+          </a:p>
+          <a:p>
+            <a:pPr marL="0" indent="0">
+              <a:buNone/>
+            </a:pPr>
+            <a:endParaRPr lang="fa-IR" sz="1800" dirty="0"/>
+          </a:p>
+          <a:p>
+            <a:pPr marL="0" indent="0">
+              <a:buNone/>
+            </a:pPr>
+            <a:endParaRPr lang="en-US" sz="1800" dirty="0"/>
+          </a:p>
+          <a:p>
+            <a:endParaRPr lang="en-US" sz="1800" dirty="0"/>
+          </a:p>
+          <a:p>
+            <a:endParaRPr lang="en-US" sz="1800" dirty="0"/>
+          </a:p>
+          <a:p>
+            <a:endParaRPr lang="en-US" sz="1800" dirty="0"/>
+          </a:p>
+          <a:p>
+            <a:endParaRPr lang="en-US" sz="1800" dirty="0"/>
+          </a:p>
+          <a:p>
+            <a:endParaRPr lang="en-US" sz="1800" dirty="0"/>
+          </a:p>
+          <a:p>
+            <a:endParaRPr lang="en-US" sz="1800" dirty="0"/>
+          </a:p>
+          <a:p>
+            <a:endParaRPr lang="en-US" sz="1800" dirty="0"/>
+          </a:p>
+        </p:txBody>
+      </p:sp>
+      <p:pic>
+        <p:nvPicPr>
+          <p:cNvPr id="10" name="Picture 9">
+            <a:extLst>
+              <a:ext uri="{FF2B5EF4-FFF2-40B4-BE49-F238E27FC236}">
+                <a16:creationId xmlns:a16="http://schemas.microsoft.com/office/drawing/2014/main" id="{9EF8CFB4-D8BE-9714-90E0-BA66B6196710}"/>
+              </a:ext>
+            </a:extLst>
+          </p:cNvPr>
+          <p:cNvPicPr>
+            <a:picLocks noChangeAspect="1"/>
+          </p:cNvPicPr>
+          <p:nvPr/>
+        </p:nvPicPr>
+        <p:blipFill>
+          <a:blip r:embed="rId3"/>
+          <a:stretch>
+            <a:fillRect/>
+          </a:stretch>
+        </p:blipFill>
+        <p:spPr>
+          <a:xfrm>
+            <a:off x="2033020" y="2570784"/>
+            <a:ext cx="8125959" cy="3200847"/>
+          </a:xfrm>
+          <a:prstGeom prst="rect">
+            <a:avLst/>
+          </a:prstGeom>
+        </p:spPr>
+      </p:pic>
+    </p:spTree>
+    <p:extLst>
+      <p:ext uri="{BB962C8B-B14F-4D97-AF65-F5344CB8AC3E}">
+        <p14:creationId xmlns:p14="http://schemas.microsoft.com/office/powerpoint/2010/main" val="654125333"/>
+      </p:ext>
+    </p:extLst>
+  </p:cSld>
+  <p:clrMapOvr>
+    <a:masterClrMapping/>
+  </p:clrMapOvr>
+</p:sld>
+</file>
+
+<file path=ppt/slides/slide21.xml><?xml version="1.0" encoding="utf-8"?>
+<p:sld xmlns:a="http://schemas.openxmlformats.org/drawingml/2006/main" xmlns:r="http://schemas.openxmlformats.org/officeDocument/2006/relationships" xmlns:p="http://schemas.openxmlformats.org/presentationml/2006/main">
+  <p:cSld>
+    <p:spTree>
+      <p:nvGrpSpPr>
+        <p:cNvPr id="1" name=""/>
+        <p:cNvGrpSpPr/>
+        <p:nvPr/>
+      </p:nvGrpSpPr>
+      <p:grpSpPr>
+        <a:xfrm>
+          <a:off x="0" y="0"/>
+          <a:ext cx="0" cy="0"/>
+          <a:chOff x="0" y="0"/>
+          <a:chExt cx="0" cy="0"/>
+        </a:xfrm>
+      </p:grpSpPr>
+      <p:sp>
+        <p:nvSpPr>
+          <p:cNvPr id="2" name="Title 1">
+            <a:extLst>
+              <a:ext uri="{FF2B5EF4-FFF2-40B4-BE49-F238E27FC236}">
+                <a16:creationId xmlns:a16="http://schemas.microsoft.com/office/drawing/2014/main" id="{1F8717B5-F992-3362-0E17-84D889214116}"/>
+              </a:ext>
+            </a:extLst>
+          </p:cNvPr>
+          <p:cNvSpPr>
+            <a:spLocks noGrp="1"/>
+          </p:cNvSpPr>
+          <p:nvPr>
+            <p:ph type="title"/>
+          </p:nvPr>
+        </p:nvSpPr>
+        <p:spPr/>
+        <p:txBody>
+          <a:bodyPr>
+            <a:normAutofit/>
+          </a:bodyPr>
+          <a:lstStyle/>
+          <a:p>
+            <a:r>
+              <a:rPr lang="en-US" sz="2400" b="1" dirty="0"/>
+              <a:t>System-User Prompt Results</a:t>
+            </a:r>
+          </a:p>
+        </p:txBody>
+      </p:sp>
+      <p:sp>
+        <p:nvSpPr>
+          <p:cNvPr id="3" name="Content Placeholder 2">
+            <a:extLst>
+              <a:ext uri="{FF2B5EF4-FFF2-40B4-BE49-F238E27FC236}">
+                <a16:creationId xmlns:a16="http://schemas.microsoft.com/office/drawing/2014/main" id="{6A1CF6AE-4BFF-FA1F-6998-093945033E5D}"/>
+              </a:ext>
+            </a:extLst>
+          </p:cNvPr>
+          <p:cNvSpPr>
+            <a:spLocks noGrp="1"/>
+          </p:cNvSpPr>
+          <p:nvPr>
+            <p:ph idx="1"/>
+          </p:nvPr>
+        </p:nvSpPr>
+        <p:spPr/>
+        <p:txBody>
+          <a:bodyPr>
+            <a:normAutofit/>
+          </a:bodyPr>
+          <a:lstStyle/>
+          <a:p>
+            <a:r>
+              <a:rPr lang="en-US" sz="1800" dirty="0"/>
+              <a:t>The bar chart across different categorize:</a:t>
+            </a:r>
+          </a:p>
+          <a:p>
+            <a:endParaRPr lang="en-US" sz="1800" dirty="0"/>
+          </a:p>
+          <a:p>
+            <a:endParaRPr lang="en-US" sz="1800" dirty="0"/>
+          </a:p>
+          <a:p>
+            <a:endParaRPr lang="en-US" sz="1800" dirty="0"/>
+          </a:p>
+          <a:p>
+            <a:endParaRPr lang="en-US" sz="1800" dirty="0"/>
+          </a:p>
+          <a:p>
+            <a:endParaRPr lang="en-US" sz="1800" dirty="0"/>
+          </a:p>
+          <a:p>
+            <a:endParaRPr lang="en-US" sz="1800" dirty="0"/>
+          </a:p>
+          <a:p>
+            <a:endParaRPr lang="en-US" sz="1800" dirty="0"/>
+          </a:p>
+          <a:p>
+            <a:endParaRPr lang="en-US" sz="1800" dirty="0"/>
+          </a:p>
+          <a:p>
+            <a:endParaRPr lang="en-US" sz="1800" dirty="0"/>
+          </a:p>
+          <a:p>
+            <a:endParaRPr lang="fa-IR" sz="1800" dirty="0"/>
+          </a:p>
+          <a:p>
+            <a:endParaRPr lang="fa-IR" sz="1800" dirty="0"/>
+          </a:p>
+          <a:p>
+            <a:endParaRPr lang="fa-IR" sz="1800" dirty="0"/>
+          </a:p>
+          <a:p>
+            <a:endParaRPr lang="fa-IR" sz="1800" dirty="0"/>
+          </a:p>
+          <a:p>
+            <a:endParaRPr lang="fa-IR" sz="1800" dirty="0"/>
+          </a:p>
+          <a:p>
+            <a:endParaRPr lang="fa-IR" sz="1800" dirty="0"/>
+          </a:p>
+          <a:p>
+            <a:endParaRPr lang="fa-IR" sz="1800" dirty="0"/>
+          </a:p>
+          <a:p>
+            <a:endParaRPr lang="fa-IR" sz="1800" dirty="0"/>
+          </a:p>
+          <a:p>
+            <a:endParaRPr lang="fa-IR" sz="1800" dirty="0"/>
+          </a:p>
+          <a:p>
+            <a:endParaRPr lang="fa-IR" sz="1800" dirty="0"/>
+          </a:p>
+          <a:p>
+            <a:endParaRPr lang="fa-IR" sz="1800" dirty="0"/>
+          </a:p>
+          <a:p>
+            <a:endParaRPr lang="fa-IR" sz="1800" dirty="0"/>
+          </a:p>
+          <a:p>
+            <a:endParaRPr lang="fa-IR" sz="1800" dirty="0"/>
+          </a:p>
+          <a:p>
+            <a:endParaRPr lang="fa-IR" sz="1800" dirty="0"/>
+          </a:p>
+          <a:p>
+            <a:pPr marL="0" indent="0">
+              <a:buNone/>
+            </a:pPr>
+            <a:endParaRPr lang="fa-IR" sz="1800" dirty="0"/>
+          </a:p>
+          <a:p>
+            <a:pPr marL="0" indent="0">
+              <a:buNone/>
+            </a:pPr>
+            <a:endParaRPr lang="en-US" sz="1800" dirty="0"/>
+          </a:p>
+          <a:p>
+            <a:endParaRPr lang="en-US" sz="1800" dirty="0"/>
+          </a:p>
+          <a:p>
+            <a:endParaRPr lang="en-US" sz="1800" dirty="0"/>
+          </a:p>
+          <a:p>
+            <a:endParaRPr lang="en-US" sz="1800" dirty="0"/>
+          </a:p>
+          <a:p>
+            <a:endParaRPr lang="en-US" sz="1800" dirty="0"/>
+          </a:p>
+          <a:p>
+            <a:endParaRPr lang="en-US" sz="1800" dirty="0"/>
+          </a:p>
+          <a:p>
+            <a:endParaRPr lang="en-US" sz="1800" dirty="0"/>
+          </a:p>
+          <a:p>
+            <a:endParaRPr lang="en-US" sz="1800" dirty="0"/>
+          </a:p>
+        </p:txBody>
+      </p:sp>
+      <p:pic>
+        <p:nvPicPr>
+          <p:cNvPr id="5" name="Picture 4">
+            <a:extLst>
+              <a:ext uri="{FF2B5EF4-FFF2-40B4-BE49-F238E27FC236}">
+                <a16:creationId xmlns:a16="http://schemas.microsoft.com/office/drawing/2014/main" id="{E797DF04-0ADB-20D4-3720-1C65E6BA7806}"/>
+              </a:ext>
+            </a:extLst>
+          </p:cNvPr>
+          <p:cNvPicPr>
+            <a:picLocks noChangeAspect="1"/>
+          </p:cNvPicPr>
+          <p:nvPr/>
+        </p:nvPicPr>
+        <p:blipFill>
+          <a:blip r:embed="rId3"/>
+          <a:stretch>
+            <a:fillRect/>
+          </a:stretch>
+        </p:blipFill>
+        <p:spPr>
+          <a:xfrm>
+            <a:off x="2643505" y="2435755"/>
+            <a:ext cx="6904989" cy="3831375"/>
+          </a:xfrm>
+          <a:prstGeom prst="rect">
+            <a:avLst/>
+          </a:prstGeom>
+        </p:spPr>
+      </p:pic>
+    </p:spTree>
+    <p:extLst>
+      <p:ext uri="{BB962C8B-B14F-4D97-AF65-F5344CB8AC3E}">
+        <p14:creationId xmlns:p14="http://schemas.microsoft.com/office/powerpoint/2010/main" val="1978235962"/>
+      </p:ext>
+    </p:extLst>
+  </p:cSld>
+  <p:clrMapOvr>
+    <a:masterClrMapping/>
+  </p:clrMapOvr>
+</p:sld>
+</file>
+
+<file path=ppt/slides/slide22.xml><?xml version="1.0" encoding="utf-8"?>
+<p:sld xmlns:a="http://schemas.openxmlformats.org/drawingml/2006/main" xmlns:r="http://schemas.openxmlformats.org/officeDocument/2006/relationships" xmlns:p="http://schemas.openxmlformats.org/presentationml/2006/main">
+  <p:cSld>
+    <p:spTree>
+      <p:nvGrpSpPr>
+        <p:cNvPr id="1" name=""/>
+        <p:cNvGrpSpPr/>
+        <p:nvPr/>
+      </p:nvGrpSpPr>
+      <p:grpSpPr>
+        <a:xfrm>
+          <a:off x="0" y="0"/>
+          <a:ext cx="0" cy="0"/>
+          <a:chOff x="0" y="0"/>
+          <a:chExt cx="0" cy="0"/>
+        </a:xfrm>
+      </p:grpSpPr>
+      <p:sp>
+        <p:nvSpPr>
+          <p:cNvPr id="2" name="Title 1">
+            <a:extLst>
+              <a:ext uri="{FF2B5EF4-FFF2-40B4-BE49-F238E27FC236}">
+                <a16:creationId xmlns:a16="http://schemas.microsoft.com/office/drawing/2014/main" id="{1F8717B5-F992-3362-0E17-84D889214116}"/>
+              </a:ext>
+            </a:extLst>
+          </p:cNvPr>
+          <p:cNvSpPr>
+            <a:spLocks noGrp="1"/>
+          </p:cNvSpPr>
+          <p:nvPr>
+            <p:ph type="title"/>
+          </p:nvPr>
+        </p:nvSpPr>
+        <p:spPr/>
+        <p:txBody>
+          <a:bodyPr>
+            <a:normAutofit/>
+          </a:bodyPr>
+          <a:lstStyle/>
+          <a:p>
+            <a:r>
+              <a:rPr lang="en-US" sz="2400" b="1" dirty="0"/>
+              <a:t>System-User Prompt Results</a:t>
+            </a:r>
+          </a:p>
+        </p:txBody>
+      </p:sp>
+      <p:sp>
+        <p:nvSpPr>
+          <p:cNvPr id="3" name="Content Placeholder 2">
+            <a:extLst>
+              <a:ext uri="{FF2B5EF4-FFF2-40B4-BE49-F238E27FC236}">
+                <a16:creationId xmlns:a16="http://schemas.microsoft.com/office/drawing/2014/main" id="{6A1CF6AE-4BFF-FA1F-6998-093945033E5D}"/>
+              </a:ext>
+            </a:extLst>
+          </p:cNvPr>
+          <p:cNvSpPr>
+            <a:spLocks noGrp="1"/>
+          </p:cNvSpPr>
+          <p:nvPr>
+            <p:ph idx="1"/>
+          </p:nvPr>
+        </p:nvSpPr>
+        <p:spPr/>
+        <p:txBody>
+          <a:bodyPr>
+            <a:normAutofit/>
+          </a:bodyPr>
+          <a:lstStyle/>
+          <a:p>
+            <a:r>
+              <a:rPr lang="en-US" sz="1800" dirty="0"/>
+              <a:t>The result of English system prompt in all test data for full text:</a:t>
+            </a:r>
+          </a:p>
+          <a:p>
+            <a:endParaRPr lang="en-US" sz="1800" dirty="0"/>
+          </a:p>
+          <a:p>
+            <a:endParaRPr lang="en-US" sz="1800" dirty="0"/>
+          </a:p>
+          <a:p>
+            <a:endParaRPr lang="en-US" sz="1800" dirty="0"/>
+          </a:p>
+          <a:p>
+            <a:endParaRPr lang="en-US" sz="1800" dirty="0"/>
+          </a:p>
+          <a:p>
+            <a:endParaRPr lang="en-US" sz="1800" dirty="0"/>
+          </a:p>
+          <a:p>
+            <a:endParaRPr lang="en-US" sz="1800" dirty="0"/>
+          </a:p>
+          <a:p>
+            <a:endParaRPr lang="en-US" sz="1800" dirty="0"/>
+          </a:p>
+          <a:p>
+            <a:endParaRPr lang="en-US" sz="1800" dirty="0"/>
+          </a:p>
+          <a:p>
+            <a:endParaRPr lang="en-US" sz="1800" dirty="0"/>
+          </a:p>
+          <a:p>
+            <a:r>
+              <a:rPr lang="en-US" sz="1800" dirty="0"/>
+              <a:t>It seems that the user prompt in full text hindered the accuracy in a noticeable way.</a:t>
+            </a:r>
+          </a:p>
+          <a:p>
+            <a:endParaRPr lang="en-US" sz="1800" dirty="0"/>
+          </a:p>
+          <a:p>
+            <a:endParaRPr lang="en-US" sz="1800" dirty="0"/>
+          </a:p>
+          <a:p>
+            <a:endParaRPr lang="en-US" sz="1800" dirty="0"/>
+          </a:p>
+          <a:p>
+            <a:endParaRPr lang="en-US" sz="1800" dirty="0"/>
+          </a:p>
+          <a:p>
+            <a:endParaRPr lang="en-US" sz="1800" dirty="0"/>
+          </a:p>
+          <a:p>
+            <a:endParaRPr lang="en-US" sz="1800" dirty="0"/>
+          </a:p>
+          <a:p>
+            <a:endParaRPr lang="en-US" sz="1800" dirty="0"/>
+          </a:p>
+          <a:p>
+            <a:endParaRPr lang="en-US" sz="1800" dirty="0"/>
+          </a:p>
+          <a:p>
+            <a:endParaRPr lang="en-US" sz="1800" dirty="0"/>
+          </a:p>
+          <a:p>
+            <a:endParaRPr lang="fa-IR" sz="1800" dirty="0"/>
+          </a:p>
+          <a:p>
+            <a:endParaRPr lang="fa-IR" sz="1800" dirty="0"/>
+          </a:p>
+          <a:p>
+            <a:endParaRPr lang="fa-IR" sz="1800" dirty="0"/>
+          </a:p>
+          <a:p>
+            <a:endParaRPr lang="fa-IR" sz="1800" dirty="0"/>
+          </a:p>
+          <a:p>
+            <a:endParaRPr lang="fa-IR" sz="1800" dirty="0"/>
+          </a:p>
+          <a:p>
+            <a:endParaRPr lang="fa-IR" sz="1800" dirty="0"/>
+          </a:p>
+          <a:p>
+            <a:endParaRPr lang="fa-IR" sz="1800" dirty="0"/>
+          </a:p>
+          <a:p>
+            <a:endParaRPr lang="fa-IR" sz="1800" dirty="0"/>
+          </a:p>
+          <a:p>
+            <a:endParaRPr lang="fa-IR" sz="1800" dirty="0"/>
+          </a:p>
+          <a:p>
+            <a:endParaRPr lang="fa-IR" sz="1800" dirty="0"/>
+          </a:p>
+          <a:p>
+            <a:endParaRPr lang="fa-IR" sz="1800" dirty="0"/>
+          </a:p>
+          <a:p>
+            <a:endParaRPr lang="fa-IR" sz="1800" dirty="0"/>
+          </a:p>
+          <a:p>
+            <a:endParaRPr lang="fa-IR" sz="1800" dirty="0"/>
+          </a:p>
+          <a:p>
+            <a:endParaRPr lang="fa-IR" sz="1800" dirty="0"/>
+          </a:p>
+          <a:p>
+            <a:pPr marL="0" indent="0">
+              <a:buNone/>
+            </a:pPr>
+            <a:endParaRPr lang="fa-IR" sz="1800" dirty="0"/>
+          </a:p>
+          <a:p>
+            <a:pPr marL="0" indent="0">
+              <a:buNone/>
+            </a:pPr>
+            <a:endParaRPr lang="en-US" sz="1800" dirty="0"/>
+          </a:p>
+          <a:p>
+            <a:endParaRPr lang="en-US" sz="1800" dirty="0"/>
+          </a:p>
+          <a:p>
+            <a:endParaRPr lang="en-US" sz="1800" dirty="0"/>
+          </a:p>
+          <a:p>
+            <a:endParaRPr lang="en-US" sz="1800" dirty="0"/>
+          </a:p>
+          <a:p>
+            <a:endParaRPr lang="en-US" sz="1800" dirty="0"/>
+          </a:p>
+          <a:p>
+            <a:endParaRPr lang="en-US" sz="1800" dirty="0"/>
+          </a:p>
+          <a:p>
+            <a:endParaRPr lang="en-US" sz="1800" dirty="0"/>
+          </a:p>
+          <a:p>
+            <a:endParaRPr lang="en-US" sz="1800" dirty="0"/>
+          </a:p>
+        </p:txBody>
+      </p:sp>
+      <p:pic>
+        <p:nvPicPr>
+          <p:cNvPr id="5" name="Picture 4">
+            <a:extLst>
+              <a:ext uri="{FF2B5EF4-FFF2-40B4-BE49-F238E27FC236}">
+                <a16:creationId xmlns:a16="http://schemas.microsoft.com/office/drawing/2014/main" id="{230A1A27-3207-7287-0A20-BAAC1BBC6DEB}"/>
+              </a:ext>
+            </a:extLst>
+          </p:cNvPr>
+          <p:cNvPicPr>
+            <a:picLocks noChangeAspect="1"/>
+          </p:cNvPicPr>
+          <p:nvPr/>
+        </p:nvPicPr>
+        <p:blipFill>
+          <a:blip r:embed="rId3"/>
+          <a:stretch>
+            <a:fillRect/>
+          </a:stretch>
+        </p:blipFill>
+        <p:spPr>
+          <a:xfrm>
+            <a:off x="3557165" y="2402440"/>
+            <a:ext cx="5077670" cy="2329877"/>
+          </a:xfrm>
+          <a:prstGeom prst="rect">
+            <a:avLst/>
+          </a:prstGeom>
+        </p:spPr>
+      </p:pic>
+    </p:spTree>
+    <p:extLst>
+      <p:ext uri="{BB962C8B-B14F-4D97-AF65-F5344CB8AC3E}">
+        <p14:creationId xmlns:p14="http://schemas.microsoft.com/office/powerpoint/2010/main" val="440427723"/>
+      </p:ext>
+    </p:extLst>
+  </p:cSld>
+  <p:clrMapOvr>
+    <a:masterClrMapping/>
+  </p:clrMapOvr>
+</p:sld>
+</file>
+
+<file path=ppt/slides/slide23.xml><?xml version="1.0" encoding="utf-8"?>
+<p:sld xmlns:a="http://schemas.openxmlformats.org/drawingml/2006/main" xmlns:r="http://schemas.openxmlformats.org/officeDocument/2006/relationships" xmlns:p="http://schemas.openxmlformats.org/presentationml/2006/main">
+  <p:cSld>
+    <p:spTree>
+      <p:nvGrpSpPr>
+        <p:cNvPr id="1" name=""/>
+        <p:cNvGrpSpPr/>
+        <p:nvPr/>
+      </p:nvGrpSpPr>
+      <p:grpSpPr>
+        <a:xfrm>
+          <a:off x="0" y="0"/>
+          <a:ext cx="0" cy="0"/>
+          <a:chOff x="0" y="0"/>
+          <a:chExt cx="0" cy="0"/>
+        </a:xfrm>
+      </p:grpSpPr>
+      <p:sp>
+        <p:nvSpPr>
+          <p:cNvPr id="2" name="Title 1">
+            <a:extLst>
+              <a:ext uri="{FF2B5EF4-FFF2-40B4-BE49-F238E27FC236}">
+                <a16:creationId xmlns:a16="http://schemas.microsoft.com/office/drawing/2014/main" id="{1F8717B5-F992-3362-0E17-84D889214116}"/>
+              </a:ext>
+            </a:extLst>
+          </p:cNvPr>
+          <p:cNvSpPr>
+            <a:spLocks noGrp="1"/>
+          </p:cNvSpPr>
+          <p:nvPr>
+            <p:ph type="title"/>
+          </p:nvPr>
+        </p:nvSpPr>
+        <p:spPr/>
+        <p:txBody>
+          <a:bodyPr>
+            <a:normAutofit/>
+          </a:bodyPr>
+          <a:lstStyle/>
+          <a:p>
+            <a:r>
+              <a:rPr lang="en-US" sz="2400" b="1" dirty="0"/>
+              <a:t>System-User Prompt Results</a:t>
+            </a:r>
+          </a:p>
+        </p:txBody>
+      </p:sp>
+      <p:sp>
+        <p:nvSpPr>
+          <p:cNvPr id="3" name="Content Placeholder 2">
+            <a:extLst>
+              <a:ext uri="{FF2B5EF4-FFF2-40B4-BE49-F238E27FC236}">
+                <a16:creationId xmlns:a16="http://schemas.microsoft.com/office/drawing/2014/main" id="{6A1CF6AE-4BFF-FA1F-6998-093945033E5D}"/>
+              </a:ext>
+            </a:extLst>
+          </p:cNvPr>
+          <p:cNvSpPr>
+            <a:spLocks noGrp="1"/>
+          </p:cNvSpPr>
+          <p:nvPr>
+            <p:ph idx="1"/>
+          </p:nvPr>
+        </p:nvSpPr>
+        <p:spPr/>
+        <p:txBody>
+          <a:bodyPr>
+            <a:normAutofit/>
+          </a:bodyPr>
+          <a:lstStyle/>
+          <a:p>
+            <a:r>
+              <a:rPr lang="en-US" sz="1800" dirty="0"/>
+              <a:t>The confusion matrix for full text:</a:t>
+            </a:r>
+          </a:p>
+          <a:p>
+            <a:endParaRPr lang="en-US" sz="1800" dirty="0"/>
+          </a:p>
+          <a:p>
+            <a:endParaRPr lang="en-US" sz="1800" dirty="0"/>
+          </a:p>
+          <a:p>
+            <a:endParaRPr lang="en-US" sz="1800" dirty="0"/>
+          </a:p>
+          <a:p>
+            <a:endParaRPr lang="en-US" sz="1800" dirty="0"/>
+          </a:p>
+          <a:p>
+            <a:endParaRPr lang="en-US" sz="1800" dirty="0"/>
+          </a:p>
+          <a:p>
+            <a:endParaRPr lang="en-US" sz="1800" dirty="0"/>
+          </a:p>
+          <a:p>
+            <a:endParaRPr lang="en-US" sz="1800" dirty="0"/>
+          </a:p>
+          <a:p>
+            <a:endParaRPr lang="en-US" sz="1800" dirty="0"/>
+          </a:p>
+          <a:p>
+            <a:endParaRPr lang="en-US" sz="1800" dirty="0"/>
+          </a:p>
+          <a:p>
+            <a:pPr marL="0" indent="0">
+              <a:buNone/>
+            </a:pPr>
+            <a:endParaRPr lang="en-US" sz="1800" dirty="0"/>
+          </a:p>
+          <a:p>
+            <a:endParaRPr lang="en-US" sz="1800" dirty="0"/>
+          </a:p>
+          <a:p>
+            <a:endParaRPr lang="en-US" sz="1800" dirty="0"/>
+          </a:p>
+          <a:p>
+            <a:endParaRPr lang="en-US" sz="1800" dirty="0"/>
+          </a:p>
+          <a:p>
+            <a:endParaRPr lang="en-US" sz="1800" dirty="0"/>
+          </a:p>
+          <a:p>
+            <a:endParaRPr lang="en-US" sz="1800" dirty="0"/>
+          </a:p>
+          <a:p>
+            <a:endParaRPr lang="en-US" sz="1800" dirty="0"/>
+          </a:p>
+          <a:p>
+            <a:endParaRPr lang="en-US" sz="1800" dirty="0"/>
+          </a:p>
+          <a:p>
+            <a:endParaRPr lang="en-US" sz="1800" dirty="0"/>
+          </a:p>
+          <a:p>
+            <a:endParaRPr lang="fa-IR" sz="1800" dirty="0"/>
+          </a:p>
+          <a:p>
+            <a:endParaRPr lang="fa-IR" sz="1800" dirty="0"/>
+          </a:p>
+          <a:p>
+            <a:endParaRPr lang="fa-IR" sz="1800" dirty="0"/>
+          </a:p>
+          <a:p>
+            <a:endParaRPr lang="fa-IR" sz="1800" dirty="0"/>
+          </a:p>
+          <a:p>
+            <a:endParaRPr lang="fa-IR" sz="1800" dirty="0"/>
+          </a:p>
+          <a:p>
+            <a:endParaRPr lang="fa-IR" sz="1800" dirty="0"/>
+          </a:p>
+          <a:p>
+            <a:endParaRPr lang="fa-IR" sz="1800" dirty="0"/>
+          </a:p>
+          <a:p>
+            <a:endParaRPr lang="fa-IR" sz="1800" dirty="0"/>
+          </a:p>
+          <a:p>
+            <a:endParaRPr lang="fa-IR" sz="1800" dirty="0"/>
+          </a:p>
+          <a:p>
+            <a:endParaRPr lang="fa-IR" sz="1800" dirty="0"/>
+          </a:p>
+          <a:p>
+            <a:endParaRPr lang="fa-IR" sz="1800" dirty="0"/>
+          </a:p>
+          <a:p>
+            <a:endParaRPr lang="fa-IR" sz="1800" dirty="0"/>
+          </a:p>
+          <a:p>
+            <a:endParaRPr lang="fa-IR" sz="1800" dirty="0"/>
+          </a:p>
+          <a:p>
+            <a:endParaRPr lang="fa-IR" sz="1800" dirty="0"/>
+          </a:p>
+          <a:p>
+            <a:pPr marL="0" indent="0">
+              <a:buNone/>
+            </a:pPr>
+            <a:endParaRPr lang="fa-IR" sz="1800" dirty="0"/>
+          </a:p>
+          <a:p>
+            <a:pPr marL="0" indent="0">
+              <a:buNone/>
+            </a:pPr>
+            <a:endParaRPr lang="en-US" sz="1800" dirty="0"/>
+          </a:p>
+          <a:p>
+            <a:endParaRPr lang="en-US" sz="1800" dirty="0"/>
+          </a:p>
+          <a:p>
+            <a:endParaRPr lang="en-US" sz="1800" dirty="0"/>
+          </a:p>
+          <a:p>
+            <a:endParaRPr lang="en-US" sz="1800" dirty="0"/>
+          </a:p>
+          <a:p>
+            <a:endParaRPr lang="en-US" sz="1800" dirty="0"/>
+          </a:p>
+          <a:p>
+            <a:endParaRPr lang="en-US" sz="1800" dirty="0"/>
+          </a:p>
+          <a:p>
+            <a:endParaRPr lang="en-US" sz="1800" dirty="0"/>
+          </a:p>
+          <a:p>
+            <a:endParaRPr lang="en-US" sz="1800" dirty="0"/>
+          </a:p>
+        </p:txBody>
+      </p:sp>
+      <p:pic>
+        <p:nvPicPr>
+          <p:cNvPr id="6" name="Picture 5">
+            <a:extLst>
+              <a:ext uri="{FF2B5EF4-FFF2-40B4-BE49-F238E27FC236}">
+                <a16:creationId xmlns:a16="http://schemas.microsoft.com/office/drawing/2014/main" id="{1B94EE65-2097-5F36-9E5B-3AEADABB0EF7}"/>
+              </a:ext>
+            </a:extLst>
+          </p:cNvPr>
+          <p:cNvPicPr>
+            <a:picLocks noChangeAspect="1"/>
+          </p:cNvPicPr>
+          <p:nvPr/>
+        </p:nvPicPr>
+        <p:blipFill>
+          <a:blip r:embed="rId3"/>
+          <a:srcRect t="1532" r="1367"/>
+          <a:stretch/>
+        </p:blipFill>
+        <p:spPr>
+          <a:xfrm>
+            <a:off x="3829209" y="2190997"/>
+            <a:ext cx="4471643" cy="3677800"/>
+          </a:xfrm>
+          <a:prstGeom prst="rect">
+            <a:avLst/>
+          </a:prstGeom>
+        </p:spPr>
+      </p:pic>
+    </p:spTree>
+    <p:extLst>
+      <p:ext uri="{BB962C8B-B14F-4D97-AF65-F5344CB8AC3E}">
+        <p14:creationId xmlns:p14="http://schemas.microsoft.com/office/powerpoint/2010/main" val="2903368559"/>
+      </p:ext>
+    </p:extLst>
+  </p:cSld>
+  <p:clrMapOvr>
+    <a:masterClrMapping/>
+  </p:clrMapOvr>
+</p:sld>
+</file>
+
+<file path=ppt/slides/slide24.xml><?xml version="1.0" encoding="utf-8"?>
+<p:sld xmlns:a="http://schemas.openxmlformats.org/drawingml/2006/main" xmlns:r="http://schemas.openxmlformats.org/officeDocument/2006/relationships" xmlns:p="http://schemas.openxmlformats.org/presentationml/2006/main">
+  <p:cSld>
+    <p:spTree>
+      <p:nvGrpSpPr>
+        <p:cNvPr id="1" name=""/>
+        <p:cNvGrpSpPr/>
+        <p:nvPr/>
+      </p:nvGrpSpPr>
+      <p:grpSpPr>
+        <a:xfrm>
+          <a:off x="0" y="0"/>
+          <a:ext cx="0" cy="0"/>
+          <a:chOff x="0" y="0"/>
+          <a:chExt cx="0" cy="0"/>
+        </a:xfrm>
+      </p:grpSpPr>
+      <p:sp>
+        <p:nvSpPr>
+          <p:cNvPr id="2" name="Title 1">
+            <a:extLst>
+              <a:ext uri="{FF2B5EF4-FFF2-40B4-BE49-F238E27FC236}">
+                <a16:creationId xmlns:a16="http://schemas.microsoft.com/office/drawing/2014/main" id="{1F8717B5-F992-3362-0E17-84D889214116}"/>
+              </a:ext>
+            </a:extLst>
+          </p:cNvPr>
+          <p:cNvSpPr>
+            <a:spLocks noGrp="1"/>
+          </p:cNvSpPr>
+          <p:nvPr>
+            <p:ph type="title"/>
+          </p:nvPr>
+        </p:nvSpPr>
+        <p:spPr/>
+        <p:txBody>
+          <a:bodyPr>
+            <a:normAutofit/>
+          </a:bodyPr>
+          <a:lstStyle/>
+          <a:p>
+            <a:r>
+              <a:rPr lang="en-US" sz="2400" b="1" dirty="0"/>
+              <a:t>System-User Prompt Results</a:t>
+            </a:r>
+          </a:p>
+        </p:txBody>
+      </p:sp>
+      <p:sp>
+        <p:nvSpPr>
+          <p:cNvPr id="3" name="Content Placeholder 2">
+            <a:extLst>
+              <a:ext uri="{FF2B5EF4-FFF2-40B4-BE49-F238E27FC236}">
+                <a16:creationId xmlns:a16="http://schemas.microsoft.com/office/drawing/2014/main" id="{6A1CF6AE-4BFF-FA1F-6998-093945033E5D}"/>
+              </a:ext>
+            </a:extLst>
+          </p:cNvPr>
+          <p:cNvSpPr>
+            <a:spLocks noGrp="1"/>
+          </p:cNvSpPr>
+          <p:nvPr>
+            <p:ph idx="1"/>
+          </p:nvPr>
+        </p:nvSpPr>
+        <p:spPr/>
+        <p:txBody>
+          <a:bodyPr>
+            <a:normAutofit/>
+          </a:bodyPr>
+          <a:lstStyle/>
+          <a:p>
+            <a:r>
+              <a:rPr lang="en-US" sz="1800" dirty="0"/>
+              <a:t>F1-score across different categories for the full text condition:</a:t>
+            </a:r>
+          </a:p>
+          <a:p>
+            <a:endParaRPr lang="en-US" sz="1800" dirty="0"/>
+          </a:p>
+          <a:p>
+            <a:endParaRPr lang="en-US" sz="1800" dirty="0"/>
+          </a:p>
+          <a:p>
+            <a:endParaRPr lang="en-US" sz="1800" dirty="0"/>
+          </a:p>
+          <a:p>
+            <a:endParaRPr lang="en-US" sz="1800" dirty="0"/>
+          </a:p>
+          <a:p>
+            <a:endParaRPr lang="en-US" sz="1800" dirty="0"/>
+          </a:p>
+          <a:p>
+            <a:endParaRPr lang="en-US" sz="1800" dirty="0"/>
+          </a:p>
+          <a:p>
+            <a:endParaRPr lang="en-US" sz="1800" dirty="0"/>
+          </a:p>
+          <a:p>
+            <a:endParaRPr lang="en-US" sz="1800" dirty="0"/>
+          </a:p>
+          <a:p>
+            <a:endParaRPr lang="en-US" sz="1800" dirty="0"/>
+          </a:p>
+          <a:p>
+            <a:pPr marL="0" indent="0">
+              <a:buNone/>
+            </a:pPr>
+            <a:endParaRPr lang="en-US" sz="1800" dirty="0"/>
+          </a:p>
+          <a:p>
+            <a:endParaRPr lang="en-US" sz="1800" dirty="0"/>
+          </a:p>
+          <a:p>
+            <a:endParaRPr lang="en-US" sz="1800" dirty="0"/>
+          </a:p>
+          <a:p>
+            <a:endParaRPr lang="en-US" sz="1800" dirty="0"/>
+          </a:p>
+          <a:p>
+            <a:endParaRPr lang="en-US" sz="1800" dirty="0"/>
+          </a:p>
+          <a:p>
+            <a:endParaRPr lang="en-US" sz="1800" dirty="0"/>
+          </a:p>
+          <a:p>
+            <a:endParaRPr lang="en-US" sz="1800" dirty="0"/>
+          </a:p>
+          <a:p>
+            <a:endParaRPr lang="en-US" sz="1800" dirty="0"/>
+          </a:p>
+          <a:p>
+            <a:endParaRPr lang="en-US" sz="1800" dirty="0"/>
+          </a:p>
+          <a:p>
+            <a:endParaRPr lang="fa-IR" sz="1800" dirty="0"/>
+          </a:p>
+          <a:p>
+            <a:endParaRPr lang="fa-IR" sz="1800" dirty="0"/>
+          </a:p>
+          <a:p>
+            <a:endParaRPr lang="fa-IR" sz="1800" dirty="0"/>
+          </a:p>
+          <a:p>
+            <a:endParaRPr lang="fa-IR" sz="1800" dirty="0"/>
+          </a:p>
+          <a:p>
+            <a:endParaRPr lang="fa-IR" sz="1800" dirty="0"/>
+          </a:p>
+          <a:p>
+            <a:endParaRPr lang="fa-IR" sz="1800" dirty="0"/>
+          </a:p>
+          <a:p>
+            <a:endParaRPr lang="fa-IR" sz="1800" dirty="0"/>
+          </a:p>
+          <a:p>
+            <a:endParaRPr lang="fa-IR" sz="1800" dirty="0"/>
+          </a:p>
+          <a:p>
+            <a:endParaRPr lang="fa-IR" sz="1800" dirty="0"/>
+          </a:p>
+          <a:p>
+            <a:endParaRPr lang="fa-IR" sz="1800" dirty="0"/>
+          </a:p>
+          <a:p>
+            <a:endParaRPr lang="fa-IR" sz="1800" dirty="0"/>
+          </a:p>
+          <a:p>
+            <a:endParaRPr lang="fa-IR" sz="1800" dirty="0"/>
+          </a:p>
+          <a:p>
+            <a:endParaRPr lang="fa-IR" sz="1800" dirty="0"/>
+          </a:p>
+          <a:p>
+            <a:endParaRPr lang="fa-IR" sz="1800" dirty="0"/>
+          </a:p>
+          <a:p>
+            <a:pPr marL="0" indent="0">
+              <a:buNone/>
+            </a:pPr>
+            <a:endParaRPr lang="fa-IR" sz="1800" dirty="0"/>
+          </a:p>
+          <a:p>
+            <a:pPr marL="0" indent="0">
+              <a:buNone/>
+            </a:pPr>
+            <a:endParaRPr lang="en-US" sz="1800" dirty="0"/>
+          </a:p>
+          <a:p>
+            <a:endParaRPr lang="en-US" sz="1800" dirty="0"/>
+          </a:p>
+          <a:p>
+            <a:endParaRPr lang="en-US" sz="1800" dirty="0"/>
+          </a:p>
+          <a:p>
+            <a:endParaRPr lang="en-US" sz="1800" dirty="0"/>
+          </a:p>
+          <a:p>
+            <a:endParaRPr lang="en-US" sz="1800" dirty="0"/>
+          </a:p>
+          <a:p>
+            <a:endParaRPr lang="en-US" sz="1800" dirty="0"/>
+          </a:p>
+          <a:p>
+            <a:endParaRPr lang="en-US" sz="1800" dirty="0"/>
+          </a:p>
+          <a:p>
+            <a:endParaRPr lang="en-US" sz="1800" dirty="0"/>
+          </a:p>
+        </p:txBody>
+      </p:sp>
+      <p:pic>
+        <p:nvPicPr>
+          <p:cNvPr id="5" name="Picture 4">
+            <a:extLst>
+              <a:ext uri="{FF2B5EF4-FFF2-40B4-BE49-F238E27FC236}">
+                <a16:creationId xmlns:a16="http://schemas.microsoft.com/office/drawing/2014/main" id="{C68A6005-EF37-C40D-B1F8-593AB9C48A34}"/>
+              </a:ext>
+            </a:extLst>
+          </p:cNvPr>
+          <p:cNvPicPr>
+            <a:picLocks noChangeAspect="1"/>
+          </p:cNvPicPr>
+          <p:nvPr/>
+        </p:nvPicPr>
+        <p:blipFill>
+          <a:blip r:embed="rId3"/>
+          <a:stretch>
+            <a:fillRect/>
+          </a:stretch>
+        </p:blipFill>
+        <p:spPr>
+          <a:xfrm>
+            <a:off x="2013968" y="2649017"/>
+            <a:ext cx="8164064" cy="2438740"/>
+          </a:xfrm>
+          <a:prstGeom prst="rect">
+            <a:avLst/>
+          </a:prstGeom>
+        </p:spPr>
+      </p:pic>
+    </p:spTree>
+    <p:extLst>
+      <p:ext uri="{BB962C8B-B14F-4D97-AF65-F5344CB8AC3E}">
+        <p14:creationId xmlns:p14="http://schemas.microsoft.com/office/powerpoint/2010/main" val="2521450766"/>
       </p:ext>
     </p:extLst>
   </p:cSld>

--- a/Slides/System-User Prompt Design.pptx
+++ b/Slides/System-User Prompt Design.pptx
@@ -5,7 +5,7 @@
     <p:sldMasterId id="2147483648" r:id="rId1"/>
   </p:sldMasterIdLst>
   <p:notesMasterIdLst>
-    <p:notesMasterId r:id="rId26"/>
+    <p:notesMasterId r:id="rId27"/>
   </p:notesMasterIdLst>
   <p:sldIdLst>
     <p:sldId id="276" r:id="rId2"/>
@@ -32,6 +32,7 @@
     <p:sldId id="358" r:id="rId23"/>
     <p:sldId id="359" r:id="rId24"/>
     <p:sldId id="360" r:id="rId25"/>
+    <p:sldId id="361" r:id="rId26"/>
   </p:sldIdLst>
   <p:sldSz cx="12192000" cy="6858000"/>
   <p:notesSz cx="6858000" cy="9144000"/>
@@ -220,7 +221,7 @@
           <a:p>
             <a:fld id="{90EA4D55-0F48-48F2-8B8B-CD81BA2373CB}" type="datetimeFigureOut">
               <a:rPr lang="en-US" smtClean="0"/>
-              <a:t>18-Sep-24</a:t>
+              <a:t>23-Sep-24</a:t>
             </a:fld>
             <a:endParaRPr lang="en-US"/>
           </a:p>
@@ -1831,6 +1832,90 @@
 </p:notes>
 </file>
 
+<file path=ppt/notesSlides/notesSlide24.xml><?xml version="1.0" encoding="utf-8"?>
+<p:notes xmlns:a="http://schemas.openxmlformats.org/drawingml/2006/main" xmlns:r="http://schemas.openxmlformats.org/officeDocument/2006/relationships" xmlns:p="http://schemas.openxmlformats.org/presentationml/2006/main">
+  <p:cSld>
+    <p:spTree>
+      <p:nvGrpSpPr>
+        <p:cNvPr id="1" name=""/>
+        <p:cNvGrpSpPr/>
+        <p:nvPr/>
+      </p:nvGrpSpPr>
+      <p:grpSpPr>
+        <a:xfrm>
+          <a:off x="0" y="0"/>
+          <a:ext cx="0" cy="0"/>
+          <a:chOff x="0" y="0"/>
+          <a:chExt cx="0" cy="0"/>
+        </a:xfrm>
+      </p:grpSpPr>
+      <p:sp>
+        <p:nvSpPr>
+          <p:cNvPr id="2" name="Slide Image Placeholder 1"/>
+          <p:cNvSpPr>
+            <a:spLocks noGrp="1" noRot="1" noChangeAspect="1"/>
+          </p:cNvSpPr>
+          <p:nvPr>
+            <p:ph type="sldImg"/>
+          </p:nvPr>
+        </p:nvSpPr>
+        <p:spPr/>
+      </p:sp>
+      <p:sp>
+        <p:nvSpPr>
+          <p:cNvPr id="3" name="Notes Placeholder 2"/>
+          <p:cNvSpPr>
+            <a:spLocks noGrp="1"/>
+          </p:cNvSpPr>
+          <p:nvPr>
+            <p:ph type="body" idx="1"/>
+          </p:nvPr>
+        </p:nvSpPr>
+        <p:spPr/>
+        <p:txBody>
+          <a:bodyPr/>
+          <a:lstStyle/>
+          <a:p>
+            <a:endParaRPr lang="en-US" dirty="0"/>
+          </a:p>
+        </p:txBody>
+      </p:sp>
+      <p:sp>
+        <p:nvSpPr>
+          <p:cNvPr id="4" name="Slide Number Placeholder 3"/>
+          <p:cNvSpPr>
+            <a:spLocks noGrp="1"/>
+          </p:cNvSpPr>
+          <p:nvPr>
+            <p:ph type="sldNum" sz="quarter" idx="5"/>
+          </p:nvPr>
+        </p:nvSpPr>
+        <p:spPr/>
+        <p:txBody>
+          <a:bodyPr/>
+          <a:lstStyle/>
+          <a:p>
+            <a:fld id="{3E4A7109-D3E0-47BA-A045-9A99591D35D8}" type="slidenum">
+              <a:rPr lang="en-US" smtClean="0"/>
+              <a:t>25</a:t>
+            </a:fld>
+            <a:endParaRPr lang="en-US"/>
+          </a:p>
+        </p:txBody>
+      </p:sp>
+    </p:spTree>
+    <p:extLst>
+      <p:ext uri="{BB962C8B-B14F-4D97-AF65-F5344CB8AC3E}">
+        <p14:creationId xmlns:p14="http://schemas.microsoft.com/office/powerpoint/2010/main" val="3699717695"/>
+      </p:ext>
+    </p:extLst>
+  </p:cSld>
+  <p:clrMapOvr>
+    <a:masterClrMapping/>
+  </p:clrMapOvr>
+</p:notes>
+</file>
+
 <file path=ppt/notesSlides/notesSlide3.xml><?xml version="1.0" encoding="utf-8"?>
 <p:notes xmlns:a="http://schemas.openxmlformats.org/drawingml/2006/main" xmlns:r="http://schemas.openxmlformats.org/officeDocument/2006/relationships" xmlns:p="http://schemas.openxmlformats.org/presentationml/2006/main">
   <p:cSld>
@@ -2566,7 +2651,7 @@
           <a:p>
             <a:fld id="{B8959F3C-9879-4806-ADC7-BA321CD3F53D}" type="datetimeFigureOut">
               <a:rPr lang="en-US" smtClean="0"/>
-              <a:t>18-Sep-24</a:t>
+              <a:t>23-Sep-24</a:t>
             </a:fld>
             <a:endParaRPr lang="en-US"/>
           </a:p>
@@ -2764,7 +2849,7 @@
           <a:p>
             <a:fld id="{B8959F3C-9879-4806-ADC7-BA321CD3F53D}" type="datetimeFigureOut">
               <a:rPr lang="en-US" smtClean="0"/>
-              <a:t>18-Sep-24</a:t>
+              <a:t>23-Sep-24</a:t>
             </a:fld>
             <a:endParaRPr lang="en-US"/>
           </a:p>
@@ -2972,7 +3057,7 @@
           <a:p>
             <a:fld id="{B8959F3C-9879-4806-ADC7-BA321CD3F53D}" type="datetimeFigureOut">
               <a:rPr lang="en-US" smtClean="0"/>
-              <a:t>18-Sep-24</a:t>
+              <a:t>23-Sep-24</a:t>
             </a:fld>
             <a:endParaRPr lang="en-US"/>
           </a:p>
@@ -3170,7 +3255,7 @@
           <a:p>
             <a:fld id="{B8959F3C-9879-4806-ADC7-BA321CD3F53D}" type="datetimeFigureOut">
               <a:rPr lang="en-US" smtClean="0"/>
-              <a:t>18-Sep-24</a:t>
+              <a:t>23-Sep-24</a:t>
             </a:fld>
             <a:endParaRPr lang="en-US"/>
           </a:p>
@@ -3445,7 +3530,7 @@
           <a:p>
             <a:fld id="{B8959F3C-9879-4806-ADC7-BA321CD3F53D}" type="datetimeFigureOut">
               <a:rPr lang="en-US" smtClean="0"/>
-              <a:t>18-Sep-24</a:t>
+              <a:t>23-Sep-24</a:t>
             </a:fld>
             <a:endParaRPr lang="en-US"/>
           </a:p>
@@ -3710,7 +3795,7 @@
           <a:p>
             <a:fld id="{B8959F3C-9879-4806-ADC7-BA321CD3F53D}" type="datetimeFigureOut">
               <a:rPr lang="en-US" smtClean="0"/>
-              <a:t>18-Sep-24</a:t>
+              <a:t>23-Sep-24</a:t>
             </a:fld>
             <a:endParaRPr lang="en-US"/>
           </a:p>
@@ -4122,7 +4207,7 @@
           <a:p>
             <a:fld id="{B8959F3C-9879-4806-ADC7-BA321CD3F53D}" type="datetimeFigureOut">
               <a:rPr lang="en-US" smtClean="0"/>
-              <a:t>18-Sep-24</a:t>
+              <a:t>23-Sep-24</a:t>
             </a:fld>
             <a:endParaRPr lang="en-US"/>
           </a:p>
@@ -4263,7 +4348,7 @@
           <a:p>
             <a:fld id="{B8959F3C-9879-4806-ADC7-BA321CD3F53D}" type="datetimeFigureOut">
               <a:rPr lang="en-US" smtClean="0"/>
-              <a:t>18-Sep-24</a:t>
+              <a:t>23-Sep-24</a:t>
             </a:fld>
             <a:endParaRPr lang="en-US"/>
           </a:p>
@@ -4376,7 +4461,7 @@
           <a:p>
             <a:fld id="{B8959F3C-9879-4806-ADC7-BA321CD3F53D}" type="datetimeFigureOut">
               <a:rPr lang="en-US" smtClean="0"/>
-              <a:t>18-Sep-24</a:t>
+              <a:t>23-Sep-24</a:t>
             </a:fld>
             <a:endParaRPr lang="en-US"/>
           </a:p>
@@ -4687,7 +4772,7 @@
           <a:p>
             <a:fld id="{B8959F3C-9879-4806-ADC7-BA321CD3F53D}" type="datetimeFigureOut">
               <a:rPr lang="en-US" smtClean="0"/>
-              <a:t>18-Sep-24</a:t>
+              <a:t>23-Sep-24</a:t>
             </a:fld>
             <a:endParaRPr lang="en-US"/>
           </a:p>
@@ -4975,7 +5060,7 @@
           <a:p>
             <a:fld id="{B8959F3C-9879-4806-ADC7-BA321CD3F53D}" type="datetimeFigureOut">
               <a:rPr lang="en-US" smtClean="0"/>
-              <a:t>18-Sep-24</a:t>
+              <a:t>23-Sep-24</a:t>
             </a:fld>
             <a:endParaRPr lang="en-US"/>
           </a:p>
@@ -5216,7 +5301,7 @@
           <a:p>
             <a:fld id="{B8959F3C-9879-4806-ADC7-BA321CD3F53D}" type="datetimeFigureOut">
               <a:rPr lang="en-US" smtClean="0"/>
-              <a:t>18-Sep-24</a:t>
+              <a:t>23-Sep-24</a:t>
             </a:fld>
             <a:endParaRPr lang="en-US"/>
           </a:p>
@@ -9189,6 +9274,257 @@
     <p:extLst>
       <p:ext uri="{BB962C8B-B14F-4D97-AF65-F5344CB8AC3E}">
         <p14:creationId xmlns:p14="http://schemas.microsoft.com/office/powerpoint/2010/main" val="2521450766"/>
+      </p:ext>
+    </p:extLst>
+  </p:cSld>
+  <p:clrMapOvr>
+    <a:masterClrMapping/>
+  </p:clrMapOvr>
+</p:sld>
+</file>
+
+<file path=ppt/slides/slide25.xml><?xml version="1.0" encoding="utf-8"?>
+<p:sld xmlns:a="http://schemas.openxmlformats.org/drawingml/2006/main" xmlns:r="http://schemas.openxmlformats.org/officeDocument/2006/relationships" xmlns:p="http://schemas.openxmlformats.org/presentationml/2006/main">
+  <p:cSld>
+    <p:spTree>
+      <p:nvGrpSpPr>
+        <p:cNvPr id="1" name=""/>
+        <p:cNvGrpSpPr/>
+        <p:nvPr/>
+      </p:nvGrpSpPr>
+      <p:grpSpPr>
+        <a:xfrm>
+          <a:off x="0" y="0"/>
+          <a:ext cx="0" cy="0"/>
+          <a:chOff x="0" y="0"/>
+          <a:chExt cx="0" cy="0"/>
+        </a:xfrm>
+      </p:grpSpPr>
+      <p:sp>
+        <p:nvSpPr>
+          <p:cNvPr id="2" name="Title 1">
+            <a:extLst>
+              <a:ext uri="{FF2B5EF4-FFF2-40B4-BE49-F238E27FC236}">
+                <a16:creationId xmlns:a16="http://schemas.microsoft.com/office/drawing/2014/main" id="{1F8717B5-F992-3362-0E17-84D889214116}"/>
+              </a:ext>
+            </a:extLst>
+          </p:cNvPr>
+          <p:cNvSpPr>
+            <a:spLocks noGrp="1"/>
+          </p:cNvSpPr>
+          <p:nvPr>
+            <p:ph type="title"/>
+          </p:nvPr>
+        </p:nvSpPr>
+        <p:spPr/>
+        <p:txBody>
+          <a:bodyPr>
+            <a:normAutofit/>
+          </a:bodyPr>
+          <a:lstStyle/>
+          <a:p>
+            <a:r>
+              <a:rPr lang="en-US" sz="2400" b="1" dirty="0"/>
+              <a:t>Categorized System-User Prompt</a:t>
+            </a:r>
+          </a:p>
+        </p:txBody>
+      </p:sp>
+      <p:sp>
+        <p:nvSpPr>
+          <p:cNvPr id="3" name="Content Placeholder 2">
+            <a:extLst>
+              <a:ext uri="{FF2B5EF4-FFF2-40B4-BE49-F238E27FC236}">
+                <a16:creationId xmlns:a16="http://schemas.microsoft.com/office/drawing/2014/main" id="{6A1CF6AE-4BFF-FA1F-6998-093945033E5D}"/>
+              </a:ext>
+            </a:extLst>
+          </p:cNvPr>
+          <p:cNvSpPr>
+            <a:spLocks noGrp="1"/>
+          </p:cNvSpPr>
+          <p:nvPr>
+            <p:ph idx="1"/>
+          </p:nvPr>
+        </p:nvSpPr>
+        <p:spPr/>
+        <p:txBody>
+          <a:bodyPr>
+            <a:normAutofit/>
+          </a:bodyPr>
+          <a:lstStyle/>
+          <a:p>
+            <a:r>
+              <a:rPr lang="en-US" sz="1800" dirty="0"/>
+              <a:t>Now we aim to have different system prompts for different category of news.</a:t>
+            </a:r>
+          </a:p>
+          <a:p>
+            <a:r>
+              <a:rPr lang="en-US" sz="1800" dirty="0"/>
+              <a:t>This may result in more accuracy in specific scenarios.</a:t>
+            </a:r>
+          </a:p>
+          <a:p>
+            <a:r>
+              <a:rPr lang="en-US" sz="1800" dirty="0"/>
+              <a:t>For this reason, we designed sport system prompt</a:t>
+            </a:r>
+          </a:p>
+          <a:p>
+            <a:pPr lvl="1"/>
+            <a:r>
+              <a:rPr lang="en-US" sz="1400" dirty="0"/>
+              <a:t>Included more related points to the important sport news</a:t>
+            </a:r>
+          </a:p>
+          <a:p>
+            <a:pPr lvl="1"/>
+            <a:r>
+              <a:rPr lang="en-US" sz="1400" dirty="0"/>
+              <a:t>Remained the structure of the previous prompt.</a:t>
+            </a:r>
+          </a:p>
+          <a:p>
+            <a:endParaRPr lang="en-US" sz="1800" dirty="0"/>
+          </a:p>
+          <a:p>
+            <a:endParaRPr lang="en-US" sz="1800" dirty="0"/>
+          </a:p>
+          <a:p>
+            <a:endParaRPr lang="en-US" sz="1800" dirty="0"/>
+          </a:p>
+          <a:p>
+            <a:endParaRPr lang="en-US" sz="1800" dirty="0"/>
+          </a:p>
+          <a:p>
+            <a:endParaRPr lang="en-US" sz="1800" dirty="0"/>
+          </a:p>
+          <a:p>
+            <a:endParaRPr lang="en-US" sz="1800" dirty="0"/>
+          </a:p>
+          <a:p>
+            <a:endParaRPr lang="en-US" sz="1800" dirty="0"/>
+          </a:p>
+          <a:p>
+            <a:endParaRPr lang="en-US" sz="1800" dirty="0"/>
+          </a:p>
+          <a:p>
+            <a:endParaRPr lang="en-US" sz="1800" dirty="0"/>
+          </a:p>
+          <a:p>
+            <a:endParaRPr lang="en-US" sz="1800" dirty="0"/>
+          </a:p>
+          <a:p>
+            <a:pPr marL="0" indent="0">
+              <a:buNone/>
+            </a:pPr>
+            <a:endParaRPr lang="en-US" sz="1800" dirty="0"/>
+          </a:p>
+          <a:p>
+            <a:endParaRPr lang="en-US" sz="1800" dirty="0"/>
+          </a:p>
+          <a:p>
+            <a:endParaRPr lang="en-US" sz="1800" dirty="0"/>
+          </a:p>
+          <a:p>
+            <a:endParaRPr lang="en-US" sz="1800" dirty="0"/>
+          </a:p>
+          <a:p>
+            <a:endParaRPr lang="en-US" sz="1800" dirty="0"/>
+          </a:p>
+          <a:p>
+            <a:endParaRPr lang="en-US" sz="1800" dirty="0"/>
+          </a:p>
+          <a:p>
+            <a:endParaRPr lang="en-US" sz="1800" dirty="0"/>
+          </a:p>
+          <a:p>
+            <a:endParaRPr lang="en-US" sz="1800" dirty="0"/>
+          </a:p>
+          <a:p>
+            <a:endParaRPr lang="en-US" sz="1800" dirty="0"/>
+          </a:p>
+          <a:p>
+            <a:endParaRPr lang="fa-IR" sz="1800" dirty="0"/>
+          </a:p>
+          <a:p>
+            <a:endParaRPr lang="fa-IR" sz="1800" dirty="0"/>
+          </a:p>
+          <a:p>
+            <a:endParaRPr lang="fa-IR" sz="1800" dirty="0"/>
+          </a:p>
+          <a:p>
+            <a:endParaRPr lang="fa-IR" sz="1800" dirty="0"/>
+          </a:p>
+          <a:p>
+            <a:endParaRPr lang="fa-IR" sz="1800" dirty="0"/>
+          </a:p>
+          <a:p>
+            <a:endParaRPr lang="fa-IR" sz="1800" dirty="0"/>
+          </a:p>
+          <a:p>
+            <a:endParaRPr lang="fa-IR" sz="1800" dirty="0"/>
+          </a:p>
+          <a:p>
+            <a:endParaRPr lang="fa-IR" sz="1800" dirty="0"/>
+          </a:p>
+          <a:p>
+            <a:endParaRPr lang="fa-IR" sz="1800" dirty="0"/>
+          </a:p>
+          <a:p>
+            <a:endParaRPr lang="fa-IR" sz="1800" dirty="0"/>
+          </a:p>
+          <a:p>
+            <a:endParaRPr lang="fa-IR" sz="1800" dirty="0"/>
+          </a:p>
+          <a:p>
+            <a:endParaRPr lang="fa-IR" sz="1800" dirty="0"/>
+          </a:p>
+          <a:p>
+            <a:endParaRPr lang="fa-IR" sz="1800" dirty="0"/>
+          </a:p>
+          <a:p>
+            <a:endParaRPr lang="fa-IR" sz="1800" dirty="0"/>
+          </a:p>
+          <a:p>
+            <a:pPr marL="0" indent="0">
+              <a:buNone/>
+            </a:pPr>
+            <a:endParaRPr lang="fa-IR" sz="1800" dirty="0"/>
+          </a:p>
+          <a:p>
+            <a:pPr marL="0" indent="0">
+              <a:buNone/>
+            </a:pPr>
+            <a:endParaRPr lang="en-US" sz="1800" dirty="0"/>
+          </a:p>
+          <a:p>
+            <a:endParaRPr lang="en-US" sz="1800" dirty="0"/>
+          </a:p>
+          <a:p>
+            <a:endParaRPr lang="en-US" sz="1800" dirty="0"/>
+          </a:p>
+          <a:p>
+            <a:endParaRPr lang="en-US" sz="1800" dirty="0"/>
+          </a:p>
+          <a:p>
+            <a:endParaRPr lang="en-US" sz="1800" dirty="0"/>
+          </a:p>
+          <a:p>
+            <a:endParaRPr lang="en-US" sz="1800" dirty="0"/>
+          </a:p>
+          <a:p>
+            <a:endParaRPr lang="en-US" sz="1800" dirty="0"/>
+          </a:p>
+          <a:p>
+            <a:endParaRPr lang="en-US" sz="1800" dirty="0"/>
+          </a:p>
+        </p:txBody>
+      </p:sp>
+    </p:spTree>
+    <p:extLst>
+      <p:ext uri="{BB962C8B-B14F-4D97-AF65-F5344CB8AC3E}">
+        <p14:creationId xmlns:p14="http://schemas.microsoft.com/office/powerpoint/2010/main" val="4243955304"/>
       </p:ext>
     </p:extLst>
   </p:cSld>

--- a/Slides/System-User Prompt Design.pptx
+++ b/Slides/System-User Prompt Design.pptx
@@ -5,7 +5,7 @@
     <p:sldMasterId id="2147483648" r:id="rId1"/>
   </p:sldMasterIdLst>
   <p:notesMasterIdLst>
-    <p:notesMasterId r:id="rId27"/>
+    <p:notesMasterId r:id="rId30"/>
   </p:notesMasterIdLst>
   <p:sldIdLst>
     <p:sldId id="276" r:id="rId2"/>
@@ -33,6 +33,9 @@
     <p:sldId id="359" r:id="rId24"/>
     <p:sldId id="360" r:id="rId25"/>
     <p:sldId id="361" r:id="rId26"/>
+    <p:sldId id="362" r:id="rId27"/>
+    <p:sldId id="363" r:id="rId28"/>
+    <p:sldId id="364" r:id="rId29"/>
   </p:sldIdLst>
   <p:sldSz cx="12192000" cy="6858000"/>
   <p:notesSz cx="6858000" cy="9144000"/>
@@ -221,7 +224,7 @@
           <a:p>
             <a:fld id="{90EA4D55-0F48-48F2-8B8B-CD81BA2373CB}" type="datetimeFigureOut">
               <a:rPr lang="en-US" smtClean="0"/>
-              <a:t>23-Sep-24</a:t>
+              <a:t>27-Sep-24</a:t>
             </a:fld>
             <a:endParaRPr lang="en-US"/>
           </a:p>
@@ -1916,6 +1919,258 @@
 </p:notes>
 </file>
 
+<file path=ppt/notesSlides/notesSlide25.xml><?xml version="1.0" encoding="utf-8"?>
+<p:notes xmlns:a="http://schemas.openxmlformats.org/drawingml/2006/main" xmlns:r="http://schemas.openxmlformats.org/officeDocument/2006/relationships" xmlns:p="http://schemas.openxmlformats.org/presentationml/2006/main">
+  <p:cSld>
+    <p:spTree>
+      <p:nvGrpSpPr>
+        <p:cNvPr id="1" name=""/>
+        <p:cNvGrpSpPr/>
+        <p:nvPr/>
+      </p:nvGrpSpPr>
+      <p:grpSpPr>
+        <a:xfrm>
+          <a:off x="0" y="0"/>
+          <a:ext cx="0" cy="0"/>
+          <a:chOff x="0" y="0"/>
+          <a:chExt cx="0" cy="0"/>
+        </a:xfrm>
+      </p:grpSpPr>
+      <p:sp>
+        <p:nvSpPr>
+          <p:cNvPr id="2" name="Slide Image Placeholder 1"/>
+          <p:cNvSpPr>
+            <a:spLocks noGrp="1" noRot="1" noChangeAspect="1"/>
+          </p:cNvSpPr>
+          <p:nvPr>
+            <p:ph type="sldImg"/>
+          </p:nvPr>
+        </p:nvSpPr>
+        <p:spPr/>
+      </p:sp>
+      <p:sp>
+        <p:nvSpPr>
+          <p:cNvPr id="3" name="Notes Placeholder 2"/>
+          <p:cNvSpPr>
+            <a:spLocks noGrp="1"/>
+          </p:cNvSpPr>
+          <p:nvPr>
+            <p:ph type="body" idx="1"/>
+          </p:nvPr>
+        </p:nvSpPr>
+        <p:spPr/>
+        <p:txBody>
+          <a:bodyPr/>
+          <a:lstStyle/>
+          <a:p>
+            <a:endParaRPr lang="en-US" dirty="0"/>
+          </a:p>
+        </p:txBody>
+      </p:sp>
+      <p:sp>
+        <p:nvSpPr>
+          <p:cNvPr id="4" name="Slide Number Placeholder 3"/>
+          <p:cNvSpPr>
+            <a:spLocks noGrp="1"/>
+          </p:cNvSpPr>
+          <p:nvPr>
+            <p:ph type="sldNum" sz="quarter" idx="5"/>
+          </p:nvPr>
+        </p:nvSpPr>
+        <p:spPr/>
+        <p:txBody>
+          <a:bodyPr/>
+          <a:lstStyle/>
+          <a:p>
+            <a:fld id="{3E4A7109-D3E0-47BA-A045-9A99591D35D8}" type="slidenum">
+              <a:rPr lang="en-US" smtClean="0"/>
+              <a:t>26</a:t>
+            </a:fld>
+            <a:endParaRPr lang="en-US"/>
+          </a:p>
+        </p:txBody>
+      </p:sp>
+    </p:spTree>
+    <p:extLst>
+      <p:ext uri="{BB962C8B-B14F-4D97-AF65-F5344CB8AC3E}">
+        <p14:creationId xmlns:p14="http://schemas.microsoft.com/office/powerpoint/2010/main" val="1566345776"/>
+      </p:ext>
+    </p:extLst>
+  </p:cSld>
+  <p:clrMapOvr>
+    <a:masterClrMapping/>
+  </p:clrMapOvr>
+</p:notes>
+</file>
+
+<file path=ppt/notesSlides/notesSlide26.xml><?xml version="1.0" encoding="utf-8"?>
+<p:notes xmlns:a="http://schemas.openxmlformats.org/drawingml/2006/main" xmlns:r="http://schemas.openxmlformats.org/officeDocument/2006/relationships" xmlns:p="http://schemas.openxmlformats.org/presentationml/2006/main">
+  <p:cSld>
+    <p:spTree>
+      <p:nvGrpSpPr>
+        <p:cNvPr id="1" name=""/>
+        <p:cNvGrpSpPr/>
+        <p:nvPr/>
+      </p:nvGrpSpPr>
+      <p:grpSpPr>
+        <a:xfrm>
+          <a:off x="0" y="0"/>
+          <a:ext cx="0" cy="0"/>
+          <a:chOff x="0" y="0"/>
+          <a:chExt cx="0" cy="0"/>
+        </a:xfrm>
+      </p:grpSpPr>
+      <p:sp>
+        <p:nvSpPr>
+          <p:cNvPr id="2" name="Slide Image Placeholder 1"/>
+          <p:cNvSpPr>
+            <a:spLocks noGrp="1" noRot="1" noChangeAspect="1"/>
+          </p:cNvSpPr>
+          <p:nvPr>
+            <p:ph type="sldImg"/>
+          </p:nvPr>
+        </p:nvSpPr>
+        <p:spPr/>
+      </p:sp>
+      <p:sp>
+        <p:nvSpPr>
+          <p:cNvPr id="3" name="Notes Placeholder 2"/>
+          <p:cNvSpPr>
+            <a:spLocks noGrp="1"/>
+          </p:cNvSpPr>
+          <p:nvPr>
+            <p:ph type="body" idx="1"/>
+          </p:nvPr>
+        </p:nvSpPr>
+        <p:spPr/>
+        <p:txBody>
+          <a:bodyPr/>
+          <a:lstStyle/>
+          <a:p>
+            <a:endParaRPr lang="en-US" dirty="0"/>
+          </a:p>
+        </p:txBody>
+      </p:sp>
+      <p:sp>
+        <p:nvSpPr>
+          <p:cNvPr id="4" name="Slide Number Placeholder 3"/>
+          <p:cNvSpPr>
+            <a:spLocks noGrp="1"/>
+          </p:cNvSpPr>
+          <p:nvPr>
+            <p:ph type="sldNum" sz="quarter" idx="5"/>
+          </p:nvPr>
+        </p:nvSpPr>
+        <p:spPr/>
+        <p:txBody>
+          <a:bodyPr/>
+          <a:lstStyle/>
+          <a:p>
+            <a:fld id="{3E4A7109-D3E0-47BA-A045-9A99591D35D8}" type="slidenum">
+              <a:rPr lang="en-US" smtClean="0"/>
+              <a:t>27</a:t>
+            </a:fld>
+            <a:endParaRPr lang="en-US"/>
+          </a:p>
+        </p:txBody>
+      </p:sp>
+    </p:spTree>
+    <p:extLst>
+      <p:ext uri="{BB962C8B-B14F-4D97-AF65-F5344CB8AC3E}">
+        <p14:creationId xmlns:p14="http://schemas.microsoft.com/office/powerpoint/2010/main" val="1936334583"/>
+      </p:ext>
+    </p:extLst>
+  </p:cSld>
+  <p:clrMapOvr>
+    <a:masterClrMapping/>
+  </p:clrMapOvr>
+</p:notes>
+</file>
+
+<file path=ppt/notesSlides/notesSlide27.xml><?xml version="1.0" encoding="utf-8"?>
+<p:notes xmlns:a="http://schemas.openxmlformats.org/drawingml/2006/main" xmlns:r="http://schemas.openxmlformats.org/officeDocument/2006/relationships" xmlns:p="http://schemas.openxmlformats.org/presentationml/2006/main">
+  <p:cSld>
+    <p:spTree>
+      <p:nvGrpSpPr>
+        <p:cNvPr id="1" name=""/>
+        <p:cNvGrpSpPr/>
+        <p:nvPr/>
+      </p:nvGrpSpPr>
+      <p:grpSpPr>
+        <a:xfrm>
+          <a:off x="0" y="0"/>
+          <a:ext cx="0" cy="0"/>
+          <a:chOff x="0" y="0"/>
+          <a:chExt cx="0" cy="0"/>
+        </a:xfrm>
+      </p:grpSpPr>
+      <p:sp>
+        <p:nvSpPr>
+          <p:cNvPr id="2" name="Slide Image Placeholder 1"/>
+          <p:cNvSpPr>
+            <a:spLocks noGrp="1" noRot="1" noChangeAspect="1"/>
+          </p:cNvSpPr>
+          <p:nvPr>
+            <p:ph type="sldImg"/>
+          </p:nvPr>
+        </p:nvSpPr>
+        <p:spPr/>
+      </p:sp>
+      <p:sp>
+        <p:nvSpPr>
+          <p:cNvPr id="3" name="Notes Placeholder 2"/>
+          <p:cNvSpPr>
+            <a:spLocks noGrp="1"/>
+          </p:cNvSpPr>
+          <p:nvPr>
+            <p:ph type="body" idx="1"/>
+          </p:nvPr>
+        </p:nvSpPr>
+        <p:spPr/>
+        <p:txBody>
+          <a:bodyPr/>
+          <a:lstStyle/>
+          <a:p>
+            <a:endParaRPr lang="en-US" dirty="0"/>
+          </a:p>
+        </p:txBody>
+      </p:sp>
+      <p:sp>
+        <p:nvSpPr>
+          <p:cNvPr id="4" name="Slide Number Placeholder 3"/>
+          <p:cNvSpPr>
+            <a:spLocks noGrp="1"/>
+          </p:cNvSpPr>
+          <p:nvPr>
+            <p:ph type="sldNum" sz="quarter" idx="5"/>
+          </p:nvPr>
+        </p:nvSpPr>
+        <p:spPr/>
+        <p:txBody>
+          <a:bodyPr/>
+          <a:lstStyle/>
+          <a:p>
+            <a:fld id="{3E4A7109-D3E0-47BA-A045-9A99591D35D8}" type="slidenum">
+              <a:rPr lang="en-US" smtClean="0"/>
+              <a:t>28</a:t>
+            </a:fld>
+            <a:endParaRPr lang="en-US"/>
+          </a:p>
+        </p:txBody>
+      </p:sp>
+    </p:spTree>
+    <p:extLst>
+      <p:ext uri="{BB962C8B-B14F-4D97-AF65-F5344CB8AC3E}">
+        <p14:creationId xmlns:p14="http://schemas.microsoft.com/office/powerpoint/2010/main" val="4109987880"/>
+      </p:ext>
+    </p:extLst>
+  </p:cSld>
+  <p:clrMapOvr>
+    <a:masterClrMapping/>
+  </p:clrMapOvr>
+</p:notes>
+</file>
+
 <file path=ppt/notesSlides/notesSlide3.xml><?xml version="1.0" encoding="utf-8"?>
 <p:notes xmlns:a="http://schemas.openxmlformats.org/drawingml/2006/main" xmlns:r="http://schemas.openxmlformats.org/officeDocument/2006/relationships" xmlns:p="http://schemas.openxmlformats.org/presentationml/2006/main">
   <p:cSld>
@@ -2651,7 +2906,7 @@
           <a:p>
             <a:fld id="{B8959F3C-9879-4806-ADC7-BA321CD3F53D}" type="datetimeFigureOut">
               <a:rPr lang="en-US" smtClean="0"/>
-              <a:t>23-Sep-24</a:t>
+              <a:t>27-Sep-24</a:t>
             </a:fld>
             <a:endParaRPr lang="en-US"/>
           </a:p>
@@ -2849,7 +3104,7 @@
           <a:p>
             <a:fld id="{B8959F3C-9879-4806-ADC7-BA321CD3F53D}" type="datetimeFigureOut">
               <a:rPr lang="en-US" smtClean="0"/>
-              <a:t>23-Sep-24</a:t>
+              <a:t>27-Sep-24</a:t>
             </a:fld>
             <a:endParaRPr lang="en-US"/>
           </a:p>
@@ -3057,7 +3312,7 @@
           <a:p>
             <a:fld id="{B8959F3C-9879-4806-ADC7-BA321CD3F53D}" type="datetimeFigureOut">
               <a:rPr lang="en-US" smtClean="0"/>
-              <a:t>23-Sep-24</a:t>
+              <a:t>27-Sep-24</a:t>
             </a:fld>
             <a:endParaRPr lang="en-US"/>
           </a:p>
@@ -3255,7 +3510,7 @@
           <a:p>
             <a:fld id="{B8959F3C-9879-4806-ADC7-BA321CD3F53D}" type="datetimeFigureOut">
               <a:rPr lang="en-US" smtClean="0"/>
-              <a:t>23-Sep-24</a:t>
+              <a:t>27-Sep-24</a:t>
             </a:fld>
             <a:endParaRPr lang="en-US"/>
           </a:p>
@@ -3530,7 +3785,7 @@
           <a:p>
             <a:fld id="{B8959F3C-9879-4806-ADC7-BA321CD3F53D}" type="datetimeFigureOut">
               <a:rPr lang="en-US" smtClean="0"/>
-              <a:t>23-Sep-24</a:t>
+              <a:t>27-Sep-24</a:t>
             </a:fld>
             <a:endParaRPr lang="en-US"/>
           </a:p>
@@ -3795,7 +4050,7 @@
           <a:p>
             <a:fld id="{B8959F3C-9879-4806-ADC7-BA321CD3F53D}" type="datetimeFigureOut">
               <a:rPr lang="en-US" smtClean="0"/>
-              <a:t>23-Sep-24</a:t>
+              <a:t>27-Sep-24</a:t>
             </a:fld>
             <a:endParaRPr lang="en-US"/>
           </a:p>
@@ -4207,7 +4462,7 @@
           <a:p>
             <a:fld id="{B8959F3C-9879-4806-ADC7-BA321CD3F53D}" type="datetimeFigureOut">
               <a:rPr lang="en-US" smtClean="0"/>
-              <a:t>23-Sep-24</a:t>
+              <a:t>27-Sep-24</a:t>
             </a:fld>
             <a:endParaRPr lang="en-US"/>
           </a:p>
@@ -4348,7 +4603,7 @@
           <a:p>
             <a:fld id="{B8959F3C-9879-4806-ADC7-BA321CD3F53D}" type="datetimeFigureOut">
               <a:rPr lang="en-US" smtClean="0"/>
-              <a:t>23-Sep-24</a:t>
+              <a:t>27-Sep-24</a:t>
             </a:fld>
             <a:endParaRPr lang="en-US"/>
           </a:p>
@@ -4461,7 +4716,7 @@
           <a:p>
             <a:fld id="{B8959F3C-9879-4806-ADC7-BA321CD3F53D}" type="datetimeFigureOut">
               <a:rPr lang="en-US" smtClean="0"/>
-              <a:t>23-Sep-24</a:t>
+              <a:t>27-Sep-24</a:t>
             </a:fld>
             <a:endParaRPr lang="en-US"/>
           </a:p>
@@ -4772,7 +5027,7 @@
           <a:p>
             <a:fld id="{B8959F3C-9879-4806-ADC7-BA321CD3F53D}" type="datetimeFigureOut">
               <a:rPr lang="en-US" smtClean="0"/>
-              <a:t>23-Sep-24</a:t>
+              <a:t>27-Sep-24</a:t>
             </a:fld>
             <a:endParaRPr lang="en-US"/>
           </a:p>
@@ -5060,7 +5315,7 @@
           <a:p>
             <a:fld id="{B8959F3C-9879-4806-ADC7-BA321CD3F53D}" type="datetimeFigureOut">
               <a:rPr lang="en-US" smtClean="0"/>
-              <a:t>23-Sep-24</a:t>
+              <a:t>27-Sep-24</a:t>
             </a:fld>
             <a:endParaRPr lang="en-US"/>
           </a:p>
@@ -5301,7 +5556,7 @@
           <a:p>
             <a:fld id="{B8959F3C-9879-4806-ADC7-BA321CD3F53D}" type="datetimeFigureOut">
               <a:rPr lang="en-US" smtClean="0"/>
-              <a:t>23-Sep-24</a:t>
+              <a:t>27-Sep-24</a:t>
             </a:fld>
             <a:endParaRPr lang="en-US"/>
           </a:p>
@@ -9525,6 +9780,863 @@
     <p:extLst>
       <p:ext uri="{BB962C8B-B14F-4D97-AF65-F5344CB8AC3E}">
         <p14:creationId xmlns:p14="http://schemas.microsoft.com/office/powerpoint/2010/main" val="4243955304"/>
+      </p:ext>
+    </p:extLst>
+  </p:cSld>
+  <p:clrMapOvr>
+    <a:masterClrMapping/>
+  </p:clrMapOvr>
+</p:sld>
+</file>
+
+<file path=ppt/slides/slide26.xml><?xml version="1.0" encoding="utf-8"?>
+<p:sld xmlns:a="http://schemas.openxmlformats.org/drawingml/2006/main" xmlns:r="http://schemas.openxmlformats.org/officeDocument/2006/relationships" xmlns:p="http://schemas.openxmlformats.org/presentationml/2006/main">
+  <p:cSld>
+    <p:spTree>
+      <p:nvGrpSpPr>
+        <p:cNvPr id="1" name=""/>
+        <p:cNvGrpSpPr/>
+        <p:nvPr/>
+      </p:nvGrpSpPr>
+      <p:grpSpPr>
+        <a:xfrm>
+          <a:off x="0" y="0"/>
+          <a:ext cx="0" cy="0"/>
+          <a:chOff x="0" y="0"/>
+          <a:chExt cx="0" cy="0"/>
+        </a:xfrm>
+      </p:grpSpPr>
+      <p:sp>
+        <p:nvSpPr>
+          <p:cNvPr id="2" name="Title 1">
+            <a:extLst>
+              <a:ext uri="{FF2B5EF4-FFF2-40B4-BE49-F238E27FC236}">
+                <a16:creationId xmlns:a16="http://schemas.microsoft.com/office/drawing/2014/main" id="{1F8717B5-F992-3362-0E17-84D889214116}"/>
+              </a:ext>
+            </a:extLst>
+          </p:cNvPr>
+          <p:cNvSpPr>
+            <a:spLocks noGrp="1"/>
+          </p:cNvSpPr>
+          <p:nvPr>
+            <p:ph type="title"/>
+          </p:nvPr>
+        </p:nvSpPr>
+        <p:spPr/>
+        <p:txBody>
+          <a:bodyPr>
+            <a:normAutofit/>
+          </a:bodyPr>
+          <a:lstStyle/>
+          <a:p>
+            <a:r>
+              <a:rPr lang="en-US" sz="2400" b="1" dirty="0"/>
+              <a:t>Sport System Prompt Results</a:t>
+            </a:r>
+          </a:p>
+        </p:txBody>
+      </p:sp>
+      <p:sp>
+        <p:nvSpPr>
+          <p:cNvPr id="3" name="Content Placeholder 2">
+            <a:extLst>
+              <a:ext uri="{FF2B5EF4-FFF2-40B4-BE49-F238E27FC236}">
+                <a16:creationId xmlns:a16="http://schemas.microsoft.com/office/drawing/2014/main" id="{6A1CF6AE-4BFF-FA1F-6998-093945033E5D}"/>
+              </a:ext>
+            </a:extLst>
+          </p:cNvPr>
+          <p:cNvSpPr>
+            <a:spLocks noGrp="1"/>
+          </p:cNvSpPr>
+          <p:nvPr>
+            <p:ph idx="1"/>
+          </p:nvPr>
+        </p:nvSpPr>
+        <p:spPr/>
+        <p:txBody>
+          <a:bodyPr>
+            <a:normAutofit/>
+          </a:bodyPr>
+          <a:lstStyle/>
+          <a:p>
+            <a:r>
+              <a:rPr lang="en-US" sz="1800" dirty="0"/>
+              <a:t>We can see the overall sport system prompt result here:</a:t>
+            </a:r>
+            <a:endParaRPr lang="en-US" sz="1400" dirty="0"/>
+          </a:p>
+          <a:p>
+            <a:endParaRPr lang="en-US" sz="1800" dirty="0"/>
+          </a:p>
+          <a:p>
+            <a:endParaRPr lang="en-US" sz="1800" dirty="0"/>
+          </a:p>
+          <a:p>
+            <a:endParaRPr lang="en-US" sz="1800" dirty="0"/>
+          </a:p>
+          <a:p>
+            <a:endParaRPr lang="en-US" sz="1800" dirty="0"/>
+          </a:p>
+          <a:p>
+            <a:endParaRPr lang="en-US" sz="1800" dirty="0"/>
+          </a:p>
+          <a:p>
+            <a:endParaRPr lang="en-US" sz="1800" dirty="0"/>
+          </a:p>
+          <a:p>
+            <a:endParaRPr lang="en-US" sz="1800" dirty="0"/>
+          </a:p>
+          <a:p>
+            <a:endParaRPr lang="en-US" sz="1800" dirty="0"/>
+          </a:p>
+          <a:p>
+            <a:endParaRPr lang="en-US" sz="1800" dirty="0"/>
+          </a:p>
+          <a:p>
+            <a:endParaRPr lang="en-US" sz="1800" dirty="0"/>
+          </a:p>
+          <a:p>
+            <a:pPr marL="0" indent="0">
+              <a:buNone/>
+            </a:pPr>
+            <a:endParaRPr lang="en-US" sz="1800" dirty="0"/>
+          </a:p>
+          <a:p>
+            <a:endParaRPr lang="en-US" sz="1800" dirty="0"/>
+          </a:p>
+          <a:p>
+            <a:endParaRPr lang="en-US" sz="1800" dirty="0"/>
+          </a:p>
+          <a:p>
+            <a:endParaRPr lang="en-US" sz="1800" dirty="0"/>
+          </a:p>
+          <a:p>
+            <a:endParaRPr lang="en-US" sz="1800" dirty="0"/>
+          </a:p>
+          <a:p>
+            <a:endParaRPr lang="en-US" sz="1800" dirty="0"/>
+          </a:p>
+          <a:p>
+            <a:endParaRPr lang="en-US" sz="1800" dirty="0"/>
+          </a:p>
+          <a:p>
+            <a:endParaRPr lang="en-US" sz="1800" dirty="0"/>
+          </a:p>
+          <a:p>
+            <a:endParaRPr lang="en-US" sz="1800" dirty="0"/>
+          </a:p>
+          <a:p>
+            <a:endParaRPr lang="fa-IR" sz="1800" dirty="0"/>
+          </a:p>
+          <a:p>
+            <a:endParaRPr lang="fa-IR" sz="1800" dirty="0"/>
+          </a:p>
+          <a:p>
+            <a:endParaRPr lang="fa-IR" sz="1800" dirty="0"/>
+          </a:p>
+          <a:p>
+            <a:endParaRPr lang="fa-IR" sz="1800" dirty="0"/>
+          </a:p>
+          <a:p>
+            <a:endParaRPr lang="fa-IR" sz="1800" dirty="0"/>
+          </a:p>
+          <a:p>
+            <a:endParaRPr lang="fa-IR" sz="1800" dirty="0"/>
+          </a:p>
+          <a:p>
+            <a:endParaRPr lang="fa-IR" sz="1800" dirty="0"/>
+          </a:p>
+          <a:p>
+            <a:endParaRPr lang="fa-IR" sz="1800" dirty="0"/>
+          </a:p>
+          <a:p>
+            <a:endParaRPr lang="fa-IR" sz="1800" dirty="0"/>
+          </a:p>
+          <a:p>
+            <a:endParaRPr lang="fa-IR" sz="1800" dirty="0"/>
+          </a:p>
+          <a:p>
+            <a:endParaRPr lang="fa-IR" sz="1800" dirty="0"/>
+          </a:p>
+          <a:p>
+            <a:endParaRPr lang="fa-IR" sz="1800" dirty="0"/>
+          </a:p>
+          <a:p>
+            <a:endParaRPr lang="fa-IR" sz="1800" dirty="0"/>
+          </a:p>
+          <a:p>
+            <a:endParaRPr lang="fa-IR" sz="1800" dirty="0"/>
+          </a:p>
+          <a:p>
+            <a:pPr marL="0" indent="0">
+              <a:buNone/>
+            </a:pPr>
+            <a:endParaRPr lang="fa-IR" sz="1800" dirty="0"/>
+          </a:p>
+          <a:p>
+            <a:pPr marL="0" indent="0">
+              <a:buNone/>
+            </a:pPr>
+            <a:endParaRPr lang="en-US" sz="1800" dirty="0"/>
+          </a:p>
+          <a:p>
+            <a:endParaRPr lang="en-US" sz="1800" dirty="0"/>
+          </a:p>
+          <a:p>
+            <a:endParaRPr lang="en-US" sz="1800" dirty="0"/>
+          </a:p>
+          <a:p>
+            <a:endParaRPr lang="en-US" sz="1800" dirty="0"/>
+          </a:p>
+          <a:p>
+            <a:endParaRPr lang="en-US" sz="1800" dirty="0"/>
+          </a:p>
+          <a:p>
+            <a:endParaRPr lang="en-US" sz="1800" dirty="0"/>
+          </a:p>
+          <a:p>
+            <a:endParaRPr lang="en-US" sz="1800" dirty="0"/>
+          </a:p>
+          <a:p>
+            <a:endParaRPr lang="en-US" sz="1800" dirty="0"/>
+          </a:p>
+        </p:txBody>
+      </p:sp>
+      <p:pic>
+        <p:nvPicPr>
+          <p:cNvPr id="5" name="Picture 4">
+            <a:extLst>
+              <a:ext uri="{FF2B5EF4-FFF2-40B4-BE49-F238E27FC236}">
+                <a16:creationId xmlns:a16="http://schemas.microsoft.com/office/drawing/2014/main" id="{150F9F27-098F-8297-0E55-6117E3019F24}"/>
+              </a:ext>
+            </a:extLst>
+          </p:cNvPr>
+          <p:cNvPicPr>
+            <a:picLocks noChangeAspect="1"/>
+          </p:cNvPicPr>
+          <p:nvPr/>
+        </p:nvPicPr>
+        <p:blipFill>
+          <a:blip r:embed="rId3"/>
+          <a:stretch>
+            <a:fillRect/>
+          </a:stretch>
+        </p:blipFill>
+        <p:spPr>
+          <a:xfrm>
+            <a:off x="2857048" y="2410384"/>
+            <a:ext cx="6477904" cy="3429479"/>
+          </a:xfrm>
+          <a:prstGeom prst="rect">
+            <a:avLst/>
+          </a:prstGeom>
+        </p:spPr>
+      </p:pic>
+    </p:spTree>
+    <p:extLst>
+      <p:ext uri="{BB962C8B-B14F-4D97-AF65-F5344CB8AC3E}">
+        <p14:creationId xmlns:p14="http://schemas.microsoft.com/office/powerpoint/2010/main" val="2823404471"/>
+      </p:ext>
+    </p:extLst>
+  </p:cSld>
+  <p:clrMapOvr>
+    <a:masterClrMapping/>
+  </p:clrMapOvr>
+</p:sld>
+</file>
+
+<file path=ppt/slides/slide27.xml><?xml version="1.0" encoding="utf-8"?>
+<p:sld xmlns:a="http://schemas.openxmlformats.org/drawingml/2006/main" xmlns:r="http://schemas.openxmlformats.org/officeDocument/2006/relationships" xmlns:p="http://schemas.openxmlformats.org/presentationml/2006/main">
+  <p:cSld>
+    <p:spTree>
+      <p:nvGrpSpPr>
+        <p:cNvPr id="1" name=""/>
+        <p:cNvGrpSpPr/>
+        <p:nvPr/>
+      </p:nvGrpSpPr>
+      <p:grpSpPr>
+        <a:xfrm>
+          <a:off x="0" y="0"/>
+          <a:ext cx="0" cy="0"/>
+          <a:chOff x="0" y="0"/>
+          <a:chExt cx="0" cy="0"/>
+        </a:xfrm>
+      </p:grpSpPr>
+      <p:sp>
+        <p:nvSpPr>
+          <p:cNvPr id="2" name="Title 1">
+            <a:extLst>
+              <a:ext uri="{FF2B5EF4-FFF2-40B4-BE49-F238E27FC236}">
+                <a16:creationId xmlns:a16="http://schemas.microsoft.com/office/drawing/2014/main" id="{1F8717B5-F992-3362-0E17-84D889214116}"/>
+              </a:ext>
+            </a:extLst>
+          </p:cNvPr>
+          <p:cNvSpPr>
+            <a:spLocks noGrp="1"/>
+          </p:cNvSpPr>
+          <p:nvPr>
+            <p:ph type="title"/>
+          </p:nvPr>
+        </p:nvSpPr>
+        <p:spPr/>
+        <p:txBody>
+          <a:bodyPr>
+            <a:normAutofit/>
+          </a:bodyPr>
+          <a:lstStyle/>
+          <a:p>
+            <a:r>
+              <a:rPr lang="en-US" sz="2400" b="1" dirty="0"/>
+              <a:t>Sport System Prompt Results</a:t>
+            </a:r>
+          </a:p>
+        </p:txBody>
+      </p:sp>
+      <p:sp>
+        <p:nvSpPr>
+          <p:cNvPr id="3" name="Content Placeholder 2">
+            <a:extLst>
+              <a:ext uri="{FF2B5EF4-FFF2-40B4-BE49-F238E27FC236}">
+                <a16:creationId xmlns:a16="http://schemas.microsoft.com/office/drawing/2014/main" id="{6A1CF6AE-4BFF-FA1F-6998-093945033E5D}"/>
+              </a:ext>
+            </a:extLst>
+          </p:cNvPr>
+          <p:cNvSpPr>
+            <a:spLocks noGrp="1"/>
+          </p:cNvSpPr>
+          <p:nvPr>
+            <p:ph idx="1"/>
+          </p:nvPr>
+        </p:nvSpPr>
+        <p:spPr/>
+        <p:txBody>
+          <a:bodyPr>
+            <a:normAutofit/>
+          </a:bodyPr>
+          <a:lstStyle/>
+          <a:p>
+            <a:r>
+              <a:rPr lang="en-US" sz="1800" dirty="0"/>
+              <a:t>The confusion matrix for it:</a:t>
+            </a:r>
+          </a:p>
+          <a:p>
+            <a:pPr lvl="1"/>
+            <a:r>
+              <a:rPr lang="en-US" sz="1400" dirty="0"/>
+              <a:t>As it is observable, the ‘1’ </a:t>
+            </a:r>
+            <a:br>
+              <a:rPr lang="en-US" sz="1400" dirty="0"/>
+            </a:br>
+            <a:r>
+              <a:rPr lang="en-US" sz="1400" dirty="0"/>
+              <a:t>class has a </a:t>
+            </a:r>
+            <a:r>
+              <a:rPr lang="en-US" sz="1400"/>
+              <a:t>50/50 prediction.</a:t>
+            </a:r>
+            <a:endParaRPr lang="en-US" sz="1400" dirty="0"/>
+          </a:p>
+          <a:p>
+            <a:endParaRPr lang="en-US" sz="1800" dirty="0"/>
+          </a:p>
+          <a:p>
+            <a:endParaRPr lang="en-US" sz="1800" dirty="0"/>
+          </a:p>
+          <a:p>
+            <a:endParaRPr lang="en-US" sz="1800" dirty="0"/>
+          </a:p>
+          <a:p>
+            <a:endParaRPr lang="en-US" sz="1800" dirty="0"/>
+          </a:p>
+          <a:p>
+            <a:endParaRPr lang="en-US" sz="1800" dirty="0"/>
+          </a:p>
+          <a:p>
+            <a:endParaRPr lang="en-US" sz="1800" dirty="0"/>
+          </a:p>
+          <a:p>
+            <a:endParaRPr lang="en-US" sz="1800" dirty="0"/>
+          </a:p>
+          <a:p>
+            <a:endParaRPr lang="en-US" sz="1800" dirty="0"/>
+          </a:p>
+          <a:p>
+            <a:endParaRPr lang="en-US" sz="1800" dirty="0"/>
+          </a:p>
+          <a:p>
+            <a:endParaRPr lang="en-US" sz="1800" dirty="0"/>
+          </a:p>
+          <a:p>
+            <a:endParaRPr lang="en-US" sz="1800" dirty="0"/>
+          </a:p>
+          <a:p>
+            <a:endParaRPr lang="en-US" sz="1800" dirty="0"/>
+          </a:p>
+          <a:p>
+            <a:endParaRPr lang="en-US" sz="1800" dirty="0"/>
+          </a:p>
+          <a:p>
+            <a:endParaRPr lang="en-US" sz="1800" dirty="0"/>
+          </a:p>
+          <a:p>
+            <a:endParaRPr lang="en-US" sz="1800" dirty="0"/>
+          </a:p>
+          <a:p>
+            <a:endParaRPr lang="en-US" sz="1800" dirty="0"/>
+          </a:p>
+          <a:p>
+            <a:endParaRPr lang="en-US" sz="1800" dirty="0"/>
+          </a:p>
+          <a:p>
+            <a:endParaRPr lang="en-US" sz="1800" dirty="0"/>
+          </a:p>
+          <a:p>
+            <a:endParaRPr lang="en-US" sz="1800" dirty="0"/>
+          </a:p>
+          <a:p>
+            <a:endParaRPr lang="en-US" sz="1800" dirty="0"/>
+          </a:p>
+          <a:p>
+            <a:endParaRPr lang="en-US" sz="1800" dirty="0"/>
+          </a:p>
+          <a:p>
+            <a:endParaRPr lang="en-US" sz="1800" dirty="0"/>
+          </a:p>
+          <a:p>
+            <a:endParaRPr lang="en-US" sz="1400" dirty="0"/>
+          </a:p>
+          <a:p>
+            <a:endParaRPr lang="en-US" sz="1400" dirty="0"/>
+          </a:p>
+          <a:p>
+            <a:endParaRPr lang="en-US" sz="1800" dirty="0"/>
+          </a:p>
+          <a:p>
+            <a:endParaRPr lang="en-US" sz="1800" dirty="0"/>
+          </a:p>
+          <a:p>
+            <a:endParaRPr lang="en-US" sz="1800" dirty="0"/>
+          </a:p>
+          <a:p>
+            <a:endParaRPr lang="en-US" sz="1800" dirty="0"/>
+          </a:p>
+          <a:p>
+            <a:endParaRPr lang="en-US" sz="1800" dirty="0"/>
+          </a:p>
+          <a:p>
+            <a:endParaRPr lang="en-US" sz="1800" dirty="0"/>
+          </a:p>
+          <a:p>
+            <a:endParaRPr lang="en-US" sz="1800" dirty="0"/>
+          </a:p>
+          <a:p>
+            <a:endParaRPr lang="en-US" sz="1800" dirty="0"/>
+          </a:p>
+          <a:p>
+            <a:endParaRPr lang="en-US" sz="1800" dirty="0"/>
+          </a:p>
+          <a:p>
+            <a:endParaRPr lang="en-US" sz="1800" dirty="0"/>
+          </a:p>
+          <a:p>
+            <a:pPr marL="0" indent="0">
+              <a:buNone/>
+            </a:pPr>
+            <a:endParaRPr lang="en-US" sz="1800" dirty="0"/>
+          </a:p>
+          <a:p>
+            <a:endParaRPr lang="en-US" sz="1800" dirty="0"/>
+          </a:p>
+          <a:p>
+            <a:endParaRPr lang="en-US" sz="1800" dirty="0"/>
+          </a:p>
+          <a:p>
+            <a:endParaRPr lang="en-US" sz="1800" dirty="0"/>
+          </a:p>
+          <a:p>
+            <a:endParaRPr lang="en-US" sz="1800" dirty="0"/>
+          </a:p>
+          <a:p>
+            <a:endParaRPr lang="en-US" sz="1800" dirty="0"/>
+          </a:p>
+          <a:p>
+            <a:endParaRPr lang="en-US" sz="1800" dirty="0"/>
+          </a:p>
+          <a:p>
+            <a:endParaRPr lang="en-US" sz="1800" dirty="0"/>
+          </a:p>
+          <a:p>
+            <a:endParaRPr lang="en-US" sz="1800" dirty="0"/>
+          </a:p>
+          <a:p>
+            <a:endParaRPr lang="fa-IR" sz="1800" dirty="0"/>
+          </a:p>
+          <a:p>
+            <a:endParaRPr lang="fa-IR" sz="1800" dirty="0"/>
+          </a:p>
+          <a:p>
+            <a:endParaRPr lang="fa-IR" sz="1800" dirty="0"/>
+          </a:p>
+          <a:p>
+            <a:endParaRPr lang="fa-IR" sz="1800" dirty="0"/>
+          </a:p>
+          <a:p>
+            <a:endParaRPr lang="fa-IR" sz="1800" dirty="0"/>
+          </a:p>
+          <a:p>
+            <a:endParaRPr lang="fa-IR" sz="1800" dirty="0"/>
+          </a:p>
+          <a:p>
+            <a:endParaRPr lang="fa-IR" sz="1800" dirty="0"/>
+          </a:p>
+          <a:p>
+            <a:endParaRPr lang="fa-IR" sz="1800" dirty="0"/>
+          </a:p>
+          <a:p>
+            <a:endParaRPr lang="fa-IR" sz="1800" dirty="0"/>
+          </a:p>
+          <a:p>
+            <a:endParaRPr lang="fa-IR" sz="1800" dirty="0"/>
+          </a:p>
+          <a:p>
+            <a:endParaRPr lang="fa-IR" sz="1800" dirty="0"/>
+          </a:p>
+          <a:p>
+            <a:endParaRPr lang="fa-IR" sz="1800" dirty="0"/>
+          </a:p>
+          <a:p>
+            <a:endParaRPr lang="fa-IR" sz="1800" dirty="0"/>
+          </a:p>
+          <a:p>
+            <a:endParaRPr lang="fa-IR" sz="1800" dirty="0"/>
+          </a:p>
+          <a:p>
+            <a:pPr marL="0" indent="0">
+              <a:buNone/>
+            </a:pPr>
+            <a:endParaRPr lang="fa-IR" sz="1800" dirty="0"/>
+          </a:p>
+          <a:p>
+            <a:pPr marL="0" indent="0">
+              <a:buNone/>
+            </a:pPr>
+            <a:endParaRPr lang="en-US" sz="1800" dirty="0"/>
+          </a:p>
+          <a:p>
+            <a:endParaRPr lang="en-US" sz="1800" dirty="0"/>
+          </a:p>
+          <a:p>
+            <a:endParaRPr lang="en-US" sz="1800" dirty="0"/>
+          </a:p>
+          <a:p>
+            <a:endParaRPr lang="en-US" sz="1800" dirty="0"/>
+          </a:p>
+          <a:p>
+            <a:endParaRPr lang="en-US" sz="1800" dirty="0"/>
+          </a:p>
+          <a:p>
+            <a:endParaRPr lang="en-US" sz="1800" dirty="0"/>
+          </a:p>
+          <a:p>
+            <a:endParaRPr lang="en-US" sz="1800" dirty="0"/>
+          </a:p>
+          <a:p>
+            <a:endParaRPr lang="en-US" sz="1800" dirty="0"/>
+          </a:p>
+        </p:txBody>
+      </p:sp>
+      <p:pic>
+        <p:nvPicPr>
+          <p:cNvPr id="6" name="Picture 5">
+            <a:extLst>
+              <a:ext uri="{FF2B5EF4-FFF2-40B4-BE49-F238E27FC236}">
+                <a16:creationId xmlns:a16="http://schemas.microsoft.com/office/drawing/2014/main" id="{12DA52A8-9A4C-1911-E7DA-52C1F5E80C95}"/>
+              </a:ext>
+            </a:extLst>
+          </p:cNvPr>
+          <p:cNvPicPr>
+            <a:picLocks noChangeAspect="1"/>
+          </p:cNvPicPr>
+          <p:nvPr/>
+        </p:nvPicPr>
+        <p:blipFill>
+          <a:blip r:embed="rId3"/>
+          <a:srcRect l="1986"/>
+          <a:stretch/>
+        </p:blipFill>
+        <p:spPr>
+          <a:xfrm>
+            <a:off x="3821799" y="2179605"/>
+            <a:ext cx="4548402" cy="3931534"/>
+          </a:xfrm>
+          <a:prstGeom prst="rect">
+            <a:avLst/>
+          </a:prstGeom>
+        </p:spPr>
+      </p:pic>
+    </p:spTree>
+    <p:extLst>
+      <p:ext uri="{BB962C8B-B14F-4D97-AF65-F5344CB8AC3E}">
+        <p14:creationId xmlns:p14="http://schemas.microsoft.com/office/powerpoint/2010/main" val="2121819338"/>
+      </p:ext>
+    </p:extLst>
+  </p:cSld>
+  <p:clrMapOvr>
+    <a:masterClrMapping/>
+  </p:clrMapOvr>
+</p:sld>
+</file>
+
+<file path=ppt/slides/slide28.xml><?xml version="1.0" encoding="utf-8"?>
+<p:sld xmlns:a="http://schemas.openxmlformats.org/drawingml/2006/main" xmlns:r="http://schemas.openxmlformats.org/officeDocument/2006/relationships" xmlns:p="http://schemas.openxmlformats.org/presentationml/2006/main">
+  <p:cSld>
+    <p:spTree>
+      <p:nvGrpSpPr>
+        <p:cNvPr id="1" name=""/>
+        <p:cNvGrpSpPr/>
+        <p:nvPr/>
+      </p:nvGrpSpPr>
+      <p:grpSpPr>
+        <a:xfrm>
+          <a:off x="0" y="0"/>
+          <a:ext cx="0" cy="0"/>
+          <a:chOff x="0" y="0"/>
+          <a:chExt cx="0" cy="0"/>
+        </a:xfrm>
+      </p:grpSpPr>
+      <p:sp>
+        <p:nvSpPr>
+          <p:cNvPr id="2" name="Title 1">
+            <a:extLst>
+              <a:ext uri="{FF2B5EF4-FFF2-40B4-BE49-F238E27FC236}">
+                <a16:creationId xmlns:a16="http://schemas.microsoft.com/office/drawing/2014/main" id="{1F8717B5-F992-3362-0E17-84D889214116}"/>
+              </a:ext>
+            </a:extLst>
+          </p:cNvPr>
+          <p:cNvSpPr>
+            <a:spLocks noGrp="1"/>
+          </p:cNvSpPr>
+          <p:nvPr>
+            <p:ph type="title"/>
+          </p:nvPr>
+        </p:nvSpPr>
+        <p:spPr/>
+        <p:txBody>
+          <a:bodyPr>
+            <a:normAutofit/>
+          </a:bodyPr>
+          <a:lstStyle/>
+          <a:p>
+            <a:r>
+              <a:rPr lang="en-US" sz="2400" b="1" dirty="0"/>
+              <a:t>Sport System Prompt Results</a:t>
+            </a:r>
+          </a:p>
+        </p:txBody>
+      </p:sp>
+      <p:sp>
+        <p:nvSpPr>
+          <p:cNvPr id="3" name="Content Placeholder 2">
+            <a:extLst>
+              <a:ext uri="{FF2B5EF4-FFF2-40B4-BE49-F238E27FC236}">
+                <a16:creationId xmlns:a16="http://schemas.microsoft.com/office/drawing/2014/main" id="{6A1CF6AE-4BFF-FA1F-6998-093945033E5D}"/>
+              </a:ext>
+            </a:extLst>
+          </p:cNvPr>
+          <p:cNvSpPr>
+            <a:spLocks noGrp="1"/>
+          </p:cNvSpPr>
+          <p:nvPr>
+            <p:ph idx="1"/>
+          </p:nvPr>
+        </p:nvSpPr>
+        <p:spPr/>
+        <p:txBody>
+          <a:bodyPr>
+            <a:normAutofit/>
+          </a:bodyPr>
+          <a:lstStyle/>
+          <a:p>
+            <a:r>
+              <a:rPr lang="en-US" sz="1800" dirty="0"/>
+              <a:t>And the accuracy across different categorize: </a:t>
+            </a:r>
+            <a:endParaRPr lang="en-US" sz="1400" dirty="0"/>
+          </a:p>
+          <a:p>
+            <a:endParaRPr lang="en-US" sz="1800" dirty="0"/>
+          </a:p>
+          <a:p>
+            <a:endParaRPr lang="en-US" sz="1800" dirty="0"/>
+          </a:p>
+          <a:p>
+            <a:endParaRPr lang="en-US" sz="1800" dirty="0"/>
+          </a:p>
+          <a:p>
+            <a:endParaRPr lang="en-US" sz="1800" dirty="0"/>
+          </a:p>
+          <a:p>
+            <a:endParaRPr lang="en-US" sz="1800" dirty="0"/>
+          </a:p>
+          <a:p>
+            <a:endParaRPr lang="en-US" sz="1800" dirty="0"/>
+          </a:p>
+          <a:p>
+            <a:endParaRPr lang="en-US" sz="1800" dirty="0"/>
+          </a:p>
+          <a:p>
+            <a:endParaRPr lang="en-US" sz="1800" dirty="0"/>
+          </a:p>
+          <a:p>
+            <a:endParaRPr lang="en-US" sz="1800" dirty="0"/>
+          </a:p>
+          <a:p>
+            <a:endParaRPr lang="en-US" sz="1800" dirty="0"/>
+          </a:p>
+          <a:p>
+            <a:pPr marL="0" indent="0">
+              <a:buNone/>
+            </a:pPr>
+            <a:endParaRPr lang="en-US" sz="1800" dirty="0"/>
+          </a:p>
+          <a:p>
+            <a:endParaRPr lang="en-US" sz="1800" dirty="0"/>
+          </a:p>
+          <a:p>
+            <a:endParaRPr lang="en-US" sz="1800" dirty="0"/>
+          </a:p>
+          <a:p>
+            <a:endParaRPr lang="en-US" sz="1800" dirty="0"/>
+          </a:p>
+          <a:p>
+            <a:endParaRPr lang="en-US" sz="1800" dirty="0"/>
+          </a:p>
+          <a:p>
+            <a:endParaRPr lang="en-US" sz="1800" dirty="0"/>
+          </a:p>
+          <a:p>
+            <a:endParaRPr lang="en-US" sz="1800" dirty="0"/>
+          </a:p>
+          <a:p>
+            <a:endParaRPr lang="en-US" sz="1800" dirty="0"/>
+          </a:p>
+          <a:p>
+            <a:endParaRPr lang="en-US" sz="1800" dirty="0"/>
+          </a:p>
+          <a:p>
+            <a:endParaRPr lang="fa-IR" sz="1800" dirty="0"/>
+          </a:p>
+          <a:p>
+            <a:endParaRPr lang="fa-IR" sz="1800" dirty="0"/>
+          </a:p>
+          <a:p>
+            <a:endParaRPr lang="fa-IR" sz="1800" dirty="0"/>
+          </a:p>
+          <a:p>
+            <a:endParaRPr lang="fa-IR" sz="1800" dirty="0"/>
+          </a:p>
+          <a:p>
+            <a:endParaRPr lang="fa-IR" sz="1800" dirty="0"/>
+          </a:p>
+          <a:p>
+            <a:endParaRPr lang="fa-IR" sz="1800" dirty="0"/>
+          </a:p>
+          <a:p>
+            <a:endParaRPr lang="fa-IR" sz="1800" dirty="0"/>
+          </a:p>
+          <a:p>
+            <a:endParaRPr lang="fa-IR" sz="1800" dirty="0"/>
+          </a:p>
+          <a:p>
+            <a:endParaRPr lang="fa-IR" sz="1800" dirty="0"/>
+          </a:p>
+          <a:p>
+            <a:endParaRPr lang="fa-IR" sz="1800" dirty="0"/>
+          </a:p>
+          <a:p>
+            <a:endParaRPr lang="fa-IR" sz="1800" dirty="0"/>
+          </a:p>
+          <a:p>
+            <a:endParaRPr lang="fa-IR" sz="1800" dirty="0"/>
+          </a:p>
+          <a:p>
+            <a:endParaRPr lang="fa-IR" sz="1800" dirty="0"/>
+          </a:p>
+          <a:p>
+            <a:endParaRPr lang="fa-IR" sz="1800" dirty="0"/>
+          </a:p>
+          <a:p>
+            <a:pPr marL="0" indent="0">
+              <a:buNone/>
+            </a:pPr>
+            <a:endParaRPr lang="fa-IR" sz="1800" dirty="0"/>
+          </a:p>
+          <a:p>
+            <a:pPr marL="0" indent="0">
+              <a:buNone/>
+            </a:pPr>
+            <a:endParaRPr lang="en-US" sz="1800" dirty="0"/>
+          </a:p>
+          <a:p>
+            <a:endParaRPr lang="en-US" sz="1800" dirty="0"/>
+          </a:p>
+          <a:p>
+            <a:endParaRPr lang="en-US" sz="1800" dirty="0"/>
+          </a:p>
+          <a:p>
+            <a:endParaRPr lang="en-US" sz="1800" dirty="0"/>
+          </a:p>
+          <a:p>
+            <a:endParaRPr lang="en-US" sz="1800" dirty="0"/>
+          </a:p>
+          <a:p>
+            <a:endParaRPr lang="en-US" sz="1800" dirty="0"/>
+          </a:p>
+          <a:p>
+            <a:endParaRPr lang="en-US" sz="1800" dirty="0"/>
+          </a:p>
+          <a:p>
+            <a:endParaRPr lang="en-US" sz="1800" dirty="0"/>
+          </a:p>
+        </p:txBody>
+      </p:sp>
+      <p:pic>
+        <p:nvPicPr>
+          <p:cNvPr id="5" name="Picture 4">
+            <a:extLst>
+              <a:ext uri="{FF2B5EF4-FFF2-40B4-BE49-F238E27FC236}">
+                <a16:creationId xmlns:a16="http://schemas.microsoft.com/office/drawing/2014/main" id="{67FB132E-7C86-FB80-0876-52D14FF97465}"/>
+              </a:ext>
+            </a:extLst>
+          </p:cNvPr>
+          <p:cNvPicPr>
+            <a:picLocks noChangeAspect="1"/>
+          </p:cNvPicPr>
+          <p:nvPr/>
+        </p:nvPicPr>
+        <p:blipFill>
+          <a:blip r:embed="rId3"/>
+          <a:stretch>
+            <a:fillRect/>
+          </a:stretch>
+        </p:blipFill>
+        <p:spPr>
+          <a:xfrm>
+            <a:off x="2647466" y="2274452"/>
+            <a:ext cx="6897067" cy="3902511"/>
+          </a:xfrm>
+          <a:prstGeom prst="rect">
+            <a:avLst/>
+          </a:prstGeom>
+        </p:spPr>
+      </p:pic>
+    </p:spTree>
+    <p:extLst>
+      <p:ext uri="{BB962C8B-B14F-4D97-AF65-F5344CB8AC3E}">
+        <p14:creationId xmlns:p14="http://schemas.microsoft.com/office/powerpoint/2010/main" val="987012792"/>
       </p:ext>
     </p:extLst>
   </p:cSld>
